--- a/analyses/thread_strength/THREAD_boxplots_all_treatments.pptx
+++ b/analyses/thread_strength/THREAD_boxplots_all_treatments.pptx
@@ -2,12 +2,12 @@
 <file path=ppt/presentation.xml><?xml version="1.0" encoding="utf-8"?>
 <p:presentation xmlns:a="http://schemas.openxmlformats.org/drawingml/2006/main" xmlns:r="http://schemas.openxmlformats.org/officeDocument/2006/relationships" xmlns:p="http://schemas.openxmlformats.org/presentationml/2006/main" saveSubsetFonts="1">
   <p:sldMasterIdLst>
-    <p:sldMasterId id="2147483672" r:id="rId1"/>
+    <p:sldMasterId id="2147483684" r:id="rId1"/>
   </p:sldMasterIdLst>
   <p:sldIdLst>
     <p:sldId id="256" r:id="rId2"/>
   </p:sldIdLst>
-  <p:sldSz cx="9144000" cy="4572000"/>
+  <p:sldSz cx="7315200" cy="4572000"/>
   <p:notesSz cx="6858000" cy="9144000"/>
   <p:defaultTextStyle>
     <a:defPPr>
@@ -112,6 +112,331 @@
 </p:presentation>
 </file>
 
+<file path=ppt/revisionInfo.xml><?xml version="1.0" encoding="utf-8"?>
+<p1510:revInfo xmlns:a="http://schemas.openxmlformats.org/drawingml/2006/main" xmlns:r="http://schemas.openxmlformats.org/officeDocument/2006/relationships" xmlns:p1510="http://schemas.microsoft.com/office/powerpoint/2015/10/main">
+  <p1510:revLst>
+    <p1510:client id="{C9C0156E-1316-45C2-B54D-C86C7D8E060D}" v="9" dt="2024-10-31T01:00:46.171"/>
+  </p1510:revLst>
+</p1510:revInfo>
+</file>
+
+<file path=ppt/changesInfos/changesInfo1.xml><?xml version="1.0" encoding="utf-8"?>
+<pc:chgInfo xmlns:a="http://schemas.openxmlformats.org/drawingml/2006/main" xmlns:r="http://schemas.openxmlformats.org/officeDocument/2006/relationships" xmlns:ac="http://schemas.microsoft.com/office/drawing/2013/main/command" xmlns:pc="http://schemas.microsoft.com/office/powerpoint/2013/main/command">
+  <pc:docChgLst>
+    <pc:chgData name="George, Matthew (DFW)" userId="8ba433ef-8e18-4348-89a6-fb3bb26ec9f1" providerId="ADAL" clId="{C9C0156E-1316-45C2-B54D-C86C7D8E060D}"/>
+    <pc:docChg chg="undo custSel modSld">
+      <pc:chgData name="George, Matthew (DFW)" userId="8ba433ef-8e18-4348-89a6-fb3bb26ec9f1" providerId="ADAL" clId="{C9C0156E-1316-45C2-B54D-C86C7D8E060D}" dt="2024-10-31T01:30:00.975" v="84" actId="20577"/>
+      <pc:docMkLst>
+        <pc:docMk/>
+      </pc:docMkLst>
+      <pc:sldChg chg="addSp delSp modSp mod">
+        <pc:chgData name="George, Matthew (DFW)" userId="8ba433ef-8e18-4348-89a6-fb3bb26ec9f1" providerId="ADAL" clId="{C9C0156E-1316-45C2-B54D-C86C7D8E060D}" dt="2024-10-31T01:30:00.975" v="84" actId="20577"/>
+        <pc:sldMkLst>
+          <pc:docMk/>
+          <pc:sldMk cId="173540066" sldId="256"/>
+        </pc:sldMkLst>
+        <pc:spChg chg="del">
+          <ac:chgData name="George, Matthew (DFW)" userId="8ba433ef-8e18-4348-89a6-fb3bb26ec9f1" providerId="ADAL" clId="{C9C0156E-1316-45C2-B54D-C86C7D8E060D}" dt="2024-10-31T00:58:08.989" v="26" actId="478"/>
+          <ac:spMkLst>
+            <pc:docMk/>
+            <pc:sldMk cId="173540066" sldId="256"/>
+            <ac:spMk id="2" creationId="{EB70C910-8740-5D20-3DE0-6060B0D6457C}"/>
+          </ac:spMkLst>
+        </pc:spChg>
+        <pc:spChg chg="del">
+          <ac:chgData name="George, Matthew (DFW)" userId="8ba433ef-8e18-4348-89a6-fb3bb26ec9f1" providerId="ADAL" clId="{C9C0156E-1316-45C2-B54D-C86C7D8E060D}" dt="2024-10-31T00:58:06.818" v="24" actId="478"/>
+          <ac:spMkLst>
+            <pc:docMk/>
+            <pc:sldMk cId="173540066" sldId="256"/>
+            <ac:spMk id="4" creationId="{535ECAFA-911A-C5C4-2842-064A0AD9C16A}"/>
+          </ac:spMkLst>
+        </pc:spChg>
+        <pc:spChg chg="del mod">
+          <ac:chgData name="George, Matthew (DFW)" userId="8ba433ef-8e18-4348-89a6-fb3bb26ec9f1" providerId="ADAL" clId="{C9C0156E-1316-45C2-B54D-C86C7D8E060D}" dt="2024-10-31T00:59:32.260" v="62" actId="478"/>
+          <ac:spMkLst>
+            <pc:docMk/>
+            <pc:sldMk cId="173540066" sldId="256"/>
+            <ac:spMk id="8" creationId="{65DB0D3C-8D61-E973-4EFD-9BC17A80544D}"/>
+          </ac:spMkLst>
+        </pc:spChg>
+        <pc:spChg chg="del mod">
+          <ac:chgData name="George, Matthew (DFW)" userId="8ba433ef-8e18-4348-89a6-fb3bb26ec9f1" providerId="ADAL" clId="{C9C0156E-1316-45C2-B54D-C86C7D8E060D}" dt="2024-10-31T01:00:27.677" v="78" actId="478"/>
+          <ac:spMkLst>
+            <pc:docMk/>
+            <pc:sldMk cId="173540066" sldId="256"/>
+            <ac:spMk id="9" creationId="{48ABB82D-122C-48F5-5912-74E6D358BB43}"/>
+          </ac:spMkLst>
+        </pc:spChg>
+        <pc:spChg chg="del mod">
+          <ac:chgData name="George, Matthew (DFW)" userId="8ba433ef-8e18-4348-89a6-fb3bb26ec9f1" providerId="ADAL" clId="{C9C0156E-1316-45C2-B54D-C86C7D8E060D}" dt="2024-10-31T01:00:19.363" v="76" actId="478"/>
+          <ac:spMkLst>
+            <pc:docMk/>
+            <pc:sldMk cId="173540066" sldId="256"/>
+            <ac:spMk id="10" creationId="{C9562F15-9360-71C9-89D6-3D4D09F1E3D1}"/>
+          </ac:spMkLst>
+        </pc:spChg>
+        <pc:spChg chg="add mod">
+          <ac:chgData name="George, Matthew (DFW)" userId="8ba433ef-8e18-4348-89a6-fb3bb26ec9f1" providerId="ADAL" clId="{C9C0156E-1316-45C2-B54D-C86C7D8E060D}" dt="2024-10-31T01:00:36.677" v="79" actId="164"/>
+          <ac:spMkLst>
+            <pc:docMk/>
+            <pc:sldMk cId="173540066" sldId="256"/>
+            <ac:spMk id="13" creationId="{D38E1F68-9DCD-2246-EACA-73A1FFCC4949}"/>
+          </ac:spMkLst>
+        </pc:spChg>
+        <pc:spChg chg="mod ord">
+          <ac:chgData name="George, Matthew (DFW)" userId="8ba433ef-8e18-4348-89a6-fb3bb26ec9f1" providerId="ADAL" clId="{C9C0156E-1316-45C2-B54D-C86C7D8E060D}" dt="2024-10-31T01:00:36.677" v="79" actId="164"/>
+          <ac:spMkLst>
+            <pc:docMk/>
+            <pc:sldMk cId="173540066" sldId="256"/>
+            <ac:spMk id="14" creationId="{992DFD67-7687-D7B7-29FF-0F94035B0148}"/>
+          </ac:spMkLst>
+        </pc:spChg>
+        <pc:spChg chg="add mod">
+          <ac:chgData name="George, Matthew (DFW)" userId="8ba433ef-8e18-4348-89a6-fb3bb26ec9f1" providerId="ADAL" clId="{C9C0156E-1316-45C2-B54D-C86C7D8E060D}" dt="2024-10-31T01:00:36.677" v="79" actId="164"/>
+          <ac:spMkLst>
+            <pc:docMk/>
+            <pc:sldMk cId="173540066" sldId="256"/>
+            <ac:spMk id="15" creationId="{1D5FCA59-691A-9DB7-20DA-EE73FA8D0E48}"/>
+          </ac:spMkLst>
+        </pc:spChg>
+        <pc:spChg chg="del">
+          <ac:chgData name="George, Matthew (DFW)" userId="8ba433ef-8e18-4348-89a6-fb3bb26ec9f1" providerId="ADAL" clId="{C9C0156E-1316-45C2-B54D-C86C7D8E060D}" dt="2024-10-31T00:57:59.776" v="18" actId="478"/>
+          <ac:spMkLst>
+            <pc:docMk/>
+            <pc:sldMk cId="173540066" sldId="256"/>
+            <ac:spMk id="16" creationId="{9316BAFB-7FF7-0D9A-1206-212038AA58CC}"/>
+          </ac:spMkLst>
+        </pc:spChg>
+        <pc:spChg chg="del">
+          <ac:chgData name="George, Matthew (DFW)" userId="8ba433ef-8e18-4348-89a6-fb3bb26ec9f1" providerId="ADAL" clId="{C9C0156E-1316-45C2-B54D-C86C7D8E060D}" dt="2024-10-31T00:57:59.776" v="18" actId="478"/>
+          <ac:spMkLst>
+            <pc:docMk/>
+            <pc:sldMk cId="173540066" sldId="256"/>
+            <ac:spMk id="17" creationId="{851AD4E4-199F-6B50-75C8-63B327DE43AA}"/>
+          </ac:spMkLst>
+        </pc:spChg>
+        <pc:spChg chg="del">
+          <ac:chgData name="George, Matthew (DFW)" userId="8ba433ef-8e18-4348-89a6-fb3bb26ec9f1" providerId="ADAL" clId="{C9C0156E-1316-45C2-B54D-C86C7D8E060D}" dt="2024-10-31T00:57:59.776" v="18" actId="478"/>
+          <ac:spMkLst>
+            <pc:docMk/>
+            <pc:sldMk cId="173540066" sldId="256"/>
+            <ac:spMk id="18" creationId="{FE98423F-78DE-61F8-3007-8D884272D25C}"/>
+          </ac:spMkLst>
+        </pc:spChg>
+        <pc:spChg chg="del">
+          <ac:chgData name="George, Matthew (DFW)" userId="8ba433ef-8e18-4348-89a6-fb3bb26ec9f1" providerId="ADAL" clId="{C9C0156E-1316-45C2-B54D-C86C7D8E060D}" dt="2024-10-31T00:57:59.776" v="18" actId="478"/>
+          <ac:spMkLst>
+            <pc:docMk/>
+            <pc:sldMk cId="173540066" sldId="256"/>
+            <ac:spMk id="19" creationId="{089D47E9-E3DB-6DFB-8E50-37AA8656DAE8}"/>
+          </ac:spMkLst>
+        </pc:spChg>
+        <pc:spChg chg="del">
+          <ac:chgData name="George, Matthew (DFW)" userId="8ba433ef-8e18-4348-89a6-fb3bb26ec9f1" providerId="ADAL" clId="{C9C0156E-1316-45C2-B54D-C86C7D8E060D}" dt="2024-10-31T00:57:59.776" v="18" actId="478"/>
+          <ac:spMkLst>
+            <pc:docMk/>
+            <pc:sldMk cId="173540066" sldId="256"/>
+            <ac:spMk id="20" creationId="{E7D72052-FE19-A1C2-4BD4-6A1469C512ED}"/>
+          </ac:spMkLst>
+        </pc:spChg>
+        <pc:spChg chg="add mod">
+          <ac:chgData name="George, Matthew (DFW)" userId="8ba433ef-8e18-4348-89a6-fb3bb26ec9f1" providerId="ADAL" clId="{C9C0156E-1316-45C2-B54D-C86C7D8E060D}" dt="2024-10-31T01:00:36.677" v="79" actId="164"/>
+          <ac:spMkLst>
+            <pc:docMk/>
+            <pc:sldMk cId="173540066" sldId="256"/>
+            <ac:spMk id="21" creationId="{9E8D0AAB-E82F-D08E-99BA-858737A90F43}"/>
+          </ac:spMkLst>
+        </pc:spChg>
+        <pc:spChg chg="add del mod">
+          <ac:chgData name="George, Matthew (DFW)" userId="8ba433ef-8e18-4348-89a6-fb3bb26ec9f1" providerId="ADAL" clId="{C9C0156E-1316-45C2-B54D-C86C7D8E060D}" dt="2024-10-31T01:00:19.363" v="76" actId="478"/>
+          <ac:spMkLst>
+            <pc:docMk/>
+            <pc:sldMk cId="173540066" sldId="256"/>
+            <ac:spMk id="22" creationId="{10713B7E-01B5-8BC8-CD4F-5EAD9DF6CC77}"/>
+          </ac:spMkLst>
+        </pc:spChg>
+        <pc:spChg chg="del">
+          <ac:chgData name="George, Matthew (DFW)" userId="8ba433ef-8e18-4348-89a6-fb3bb26ec9f1" providerId="ADAL" clId="{C9C0156E-1316-45C2-B54D-C86C7D8E060D}" dt="2024-10-31T00:58:01.245" v="19" actId="478"/>
+          <ac:spMkLst>
+            <pc:docMk/>
+            <pc:sldMk cId="173540066" sldId="256"/>
+            <ac:spMk id="23" creationId="{A9957E33-0647-461E-8583-582C1B2C2661}"/>
+          </ac:spMkLst>
+        </pc:spChg>
+        <pc:spChg chg="mod ord">
+          <ac:chgData name="George, Matthew (DFW)" userId="8ba433ef-8e18-4348-89a6-fb3bb26ec9f1" providerId="ADAL" clId="{C9C0156E-1316-45C2-B54D-C86C7D8E060D}" dt="2024-10-31T01:00:36.677" v="79" actId="164"/>
+          <ac:spMkLst>
+            <pc:docMk/>
+            <pc:sldMk cId="173540066" sldId="256"/>
+            <ac:spMk id="24" creationId="{1E0A42CB-EDAC-F313-6E0A-F10B0D5F8F82}"/>
+          </ac:spMkLst>
+        </pc:spChg>
+        <pc:spChg chg="mod">
+          <ac:chgData name="George, Matthew (DFW)" userId="8ba433ef-8e18-4348-89a6-fb3bb26ec9f1" providerId="ADAL" clId="{C9C0156E-1316-45C2-B54D-C86C7D8E060D}" dt="2024-10-31T01:00:36.677" v="79" actId="164"/>
+          <ac:spMkLst>
+            <pc:docMk/>
+            <pc:sldMk cId="173540066" sldId="256"/>
+            <ac:spMk id="25" creationId="{300F4CA7-EE64-4F9F-8169-A150E9B56E70}"/>
+          </ac:spMkLst>
+        </pc:spChg>
+        <pc:spChg chg="del">
+          <ac:chgData name="George, Matthew (DFW)" userId="8ba433ef-8e18-4348-89a6-fb3bb26ec9f1" providerId="ADAL" clId="{C9C0156E-1316-45C2-B54D-C86C7D8E060D}" dt="2024-10-31T00:58:02.601" v="20" actId="478"/>
+          <ac:spMkLst>
+            <pc:docMk/>
+            <pc:sldMk cId="173540066" sldId="256"/>
+            <ac:spMk id="26" creationId="{59DEA836-D44C-40CC-B21A-48478406AC02}"/>
+          </ac:spMkLst>
+        </pc:spChg>
+        <pc:spChg chg="del">
+          <ac:chgData name="George, Matthew (DFW)" userId="8ba433ef-8e18-4348-89a6-fb3bb26ec9f1" providerId="ADAL" clId="{C9C0156E-1316-45C2-B54D-C86C7D8E060D}" dt="2024-10-31T00:58:03.291" v="21" actId="478"/>
+          <ac:spMkLst>
+            <pc:docMk/>
+            <pc:sldMk cId="173540066" sldId="256"/>
+            <ac:spMk id="27" creationId="{7A9F455B-621D-40E1-89EE-5CBDFB741A92}"/>
+          </ac:spMkLst>
+        </pc:spChg>
+        <pc:spChg chg="del">
+          <ac:chgData name="George, Matthew (DFW)" userId="8ba433ef-8e18-4348-89a6-fb3bb26ec9f1" providerId="ADAL" clId="{C9C0156E-1316-45C2-B54D-C86C7D8E060D}" dt="2024-10-31T00:58:04.648" v="22" actId="478"/>
+          <ac:spMkLst>
+            <pc:docMk/>
+            <pc:sldMk cId="173540066" sldId="256"/>
+            <ac:spMk id="28" creationId="{715D529A-204E-44A9-8BF9-EB26822B2D77}"/>
+          </ac:spMkLst>
+        </pc:spChg>
+        <pc:spChg chg="del">
+          <ac:chgData name="George, Matthew (DFW)" userId="8ba433ef-8e18-4348-89a6-fb3bb26ec9f1" providerId="ADAL" clId="{C9C0156E-1316-45C2-B54D-C86C7D8E060D}" dt="2024-10-31T00:58:07.923" v="25" actId="478"/>
+          <ac:spMkLst>
+            <pc:docMk/>
+            <pc:sldMk cId="173540066" sldId="256"/>
+            <ac:spMk id="29" creationId="{129A2567-C85B-A369-68CA-A0CF03F1F970}"/>
+          </ac:spMkLst>
+        </pc:spChg>
+        <pc:spChg chg="del">
+          <ac:chgData name="George, Matthew (DFW)" userId="8ba433ef-8e18-4348-89a6-fb3bb26ec9f1" providerId="ADAL" clId="{C9C0156E-1316-45C2-B54D-C86C7D8E060D}" dt="2024-10-31T00:58:05.420" v="23" actId="478"/>
+          <ac:spMkLst>
+            <pc:docMk/>
+            <pc:sldMk cId="173540066" sldId="256"/>
+            <ac:spMk id="34" creationId="{07F55892-A263-85D0-FDAD-C91DBB6C08F0}"/>
+          </ac:spMkLst>
+        </pc:spChg>
+        <pc:spChg chg="mod">
+          <ac:chgData name="George, Matthew (DFW)" userId="8ba433ef-8e18-4348-89a6-fb3bb26ec9f1" providerId="ADAL" clId="{C9C0156E-1316-45C2-B54D-C86C7D8E060D}" dt="2024-10-31T01:00:46.171" v="81"/>
+          <ac:spMkLst>
+            <pc:docMk/>
+            <pc:sldMk cId="173540066" sldId="256"/>
+            <ac:spMk id="35" creationId="{300F4CA7-EE64-4F9F-8169-A150E9B56E70}"/>
+          </ac:spMkLst>
+        </pc:spChg>
+        <pc:spChg chg="mod">
+          <ac:chgData name="George, Matthew (DFW)" userId="8ba433ef-8e18-4348-89a6-fb3bb26ec9f1" providerId="ADAL" clId="{C9C0156E-1316-45C2-B54D-C86C7D8E060D}" dt="2024-10-31T01:30:00.975" v="84" actId="20577"/>
+          <ac:spMkLst>
+            <pc:docMk/>
+            <pc:sldMk cId="173540066" sldId="256"/>
+            <ac:spMk id="36" creationId="{992DFD67-7687-D7B7-29FF-0F94035B0148}"/>
+          </ac:spMkLst>
+        </pc:spChg>
+        <pc:spChg chg="mod">
+          <ac:chgData name="George, Matthew (DFW)" userId="8ba433ef-8e18-4348-89a6-fb3bb26ec9f1" providerId="ADAL" clId="{C9C0156E-1316-45C2-B54D-C86C7D8E060D}" dt="2024-10-31T01:00:46.171" v="81"/>
+          <ac:spMkLst>
+            <pc:docMk/>
+            <pc:sldMk cId="173540066" sldId="256"/>
+            <ac:spMk id="37" creationId="{1E0A42CB-EDAC-F313-6E0A-F10B0D5F8F82}"/>
+          </ac:spMkLst>
+        </pc:spChg>
+        <pc:spChg chg="mod">
+          <ac:chgData name="George, Matthew (DFW)" userId="8ba433ef-8e18-4348-89a6-fb3bb26ec9f1" providerId="ADAL" clId="{C9C0156E-1316-45C2-B54D-C86C7D8E060D}" dt="2024-10-31T01:00:46.171" v="81"/>
+          <ac:spMkLst>
+            <pc:docMk/>
+            <pc:sldMk cId="173540066" sldId="256"/>
+            <ac:spMk id="38" creationId="{D38E1F68-9DCD-2246-EACA-73A1FFCC4949}"/>
+          </ac:spMkLst>
+        </pc:spChg>
+        <pc:spChg chg="mod">
+          <ac:chgData name="George, Matthew (DFW)" userId="8ba433ef-8e18-4348-89a6-fb3bb26ec9f1" providerId="ADAL" clId="{C9C0156E-1316-45C2-B54D-C86C7D8E060D}" dt="2024-10-31T01:00:46.171" v="81"/>
+          <ac:spMkLst>
+            <pc:docMk/>
+            <pc:sldMk cId="173540066" sldId="256"/>
+            <ac:spMk id="39" creationId="{1D5FCA59-691A-9DB7-20DA-EE73FA8D0E48}"/>
+          </ac:spMkLst>
+        </pc:spChg>
+        <pc:spChg chg="mod">
+          <ac:chgData name="George, Matthew (DFW)" userId="8ba433ef-8e18-4348-89a6-fb3bb26ec9f1" providerId="ADAL" clId="{C9C0156E-1316-45C2-B54D-C86C7D8E060D}" dt="2024-10-31T01:00:46.171" v="81"/>
+          <ac:spMkLst>
+            <pc:docMk/>
+            <pc:sldMk cId="173540066" sldId="256"/>
+            <ac:spMk id="40" creationId="{9E8D0AAB-E82F-D08E-99BA-858737A90F43}"/>
+          </ac:spMkLst>
+        </pc:spChg>
+        <pc:grpChg chg="add del mod">
+          <ac:chgData name="George, Matthew (DFW)" userId="8ba433ef-8e18-4348-89a6-fb3bb26ec9f1" providerId="ADAL" clId="{C9C0156E-1316-45C2-B54D-C86C7D8E060D}" dt="2024-10-31T01:00:38.721" v="80" actId="21"/>
+          <ac:grpSpMkLst>
+            <pc:docMk/>
+            <pc:sldMk cId="173540066" sldId="256"/>
+            <ac:grpSpMk id="30" creationId="{36187F3D-4934-A03C-0AE1-F40EFCF117EE}"/>
+          </ac:grpSpMkLst>
+        </pc:grpChg>
+        <pc:grpChg chg="add mod">
+          <ac:chgData name="George, Matthew (DFW)" userId="8ba433ef-8e18-4348-89a6-fb3bb26ec9f1" providerId="ADAL" clId="{C9C0156E-1316-45C2-B54D-C86C7D8E060D}" dt="2024-10-31T01:00:52.066" v="82" actId="1076"/>
+          <ac:grpSpMkLst>
+            <pc:docMk/>
+            <pc:sldMk cId="173540066" sldId="256"/>
+            <ac:grpSpMk id="31" creationId="{36187F3D-4934-A03C-0AE1-F40EFCF117EE}"/>
+          </ac:grpSpMkLst>
+        </pc:grpChg>
+        <pc:picChg chg="add del">
+          <ac:chgData name="George, Matthew (DFW)" userId="8ba433ef-8e18-4348-89a6-fb3bb26ec9f1" providerId="ADAL" clId="{C9C0156E-1316-45C2-B54D-C86C7D8E060D}" dt="2024-10-31T00:57:57.940" v="17" actId="478"/>
+          <ac:picMkLst>
+            <pc:docMk/>
+            <pc:sldMk cId="173540066" sldId="256"/>
+            <ac:picMk id="5" creationId="{D38EA761-8238-3B82-8123-3E751548E113}"/>
+          </ac:picMkLst>
+        </pc:picChg>
+        <pc:picChg chg="add mod">
+          <ac:chgData name="George, Matthew (DFW)" userId="8ba433ef-8e18-4348-89a6-fb3bb26ec9f1" providerId="ADAL" clId="{C9C0156E-1316-45C2-B54D-C86C7D8E060D}" dt="2024-10-31T00:57:54.762" v="14"/>
+          <ac:picMkLst>
+            <pc:docMk/>
+            <pc:sldMk cId="173540066" sldId="256"/>
+            <ac:picMk id="6" creationId="{2789BC60-CE22-4F17-0263-13D7115C7078}"/>
+          </ac:picMkLst>
+        </pc:picChg>
+        <pc:picChg chg="del">
+          <ac:chgData name="George, Matthew (DFW)" userId="8ba433ef-8e18-4348-89a6-fb3bb26ec9f1" providerId="ADAL" clId="{C9C0156E-1316-45C2-B54D-C86C7D8E060D}" dt="2024-10-31T00:57:57.452" v="16" actId="478"/>
+          <ac:picMkLst>
+            <pc:docMk/>
+            <pc:sldMk cId="173540066" sldId="256"/>
+            <ac:picMk id="7" creationId="{B40FA367-0500-03CC-2742-229260533976}"/>
+          </ac:picMkLst>
+        </pc:picChg>
+        <pc:picChg chg="add mod ord modCrop">
+          <ac:chgData name="George, Matthew (DFW)" userId="8ba433ef-8e18-4348-89a6-fb3bb26ec9f1" providerId="ADAL" clId="{C9C0156E-1316-45C2-B54D-C86C7D8E060D}" dt="2024-10-31T01:00:36.677" v="79" actId="164"/>
+          <ac:picMkLst>
+            <pc:docMk/>
+            <pc:sldMk cId="173540066" sldId="256"/>
+            <ac:picMk id="12" creationId="{AE80798E-A33F-0EDC-F7FB-2C323629EBF5}"/>
+          </ac:picMkLst>
+        </pc:picChg>
+        <pc:picChg chg="del">
+          <ac:chgData name="George, Matthew (DFW)" userId="8ba433ef-8e18-4348-89a6-fb3bb26ec9f1" providerId="ADAL" clId="{C9C0156E-1316-45C2-B54D-C86C7D8E060D}" dt="2024-10-31T00:57:56.438" v="15" actId="478"/>
+          <ac:picMkLst>
+            <pc:docMk/>
+            <pc:sldMk cId="173540066" sldId="256"/>
+            <ac:picMk id="32" creationId="{2C144ACF-154D-1651-E14E-1038778BD1F0}"/>
+          </ac:picMkLst>
+        </pc:picChg>
+        <pc:picChg chg="mod">
+          <ac:chgData name="George, Matthew (DFW)" userId="8ba433ef-8e18-4348-89a6-fb3bb26ec9f1" providerId="ADAL" clId="{C9C0156E-1316-45C2-B54D-C86C7D8E060D}" dt="2024-10-31T01:00:46.171" v="81"/>
+          <ac:picMkLst>
+            <pc:docMk/>
+            <pc:sldMk cId="173540066" sldId="256"/>
+            <ac:picMk id="33" creationId="{AE80798E-A33F-0EDC-F7FB-2C323629EBF5}"/>
+          </ac:picMkLst>
+        </pc:picChg>
+      </pc:sldChg>
+    </pc:docChg>
+  </pc:docChgLst>
+</pc:chgInfo>
+</file>
+
 <file path=ppt/slideLayouts/slideLayout1.xml><?xml version="1.0" encoding="utf-8"?>
 <p:sldLayout xmlns:a="http://schemas.openxmlformats.org/drawingml/2006/main" xmlns:r="http://schemas.openxmlformats.org/officeDocument/2006/relationships" xmlns:p="http://schemas.openxmlformats.org/presentationml/2006/main" type="title" preserve="1">
   <p:cSld name="Title Slide">
@@ -141,15 +466,15 @@
         </p:nvSpPr>
         <p:spPr>
           <a:xfrm>
-            <a:off x="1143000" y="748242"/>
-            <a:ext cx="6858000" cy="1591733"/>
+            <a:off x="914400" y="748242"/>
+            <a:ext cx="5486400" cy="1591733"/>
           </a:xfrm>
         </p:spPr>
         <p:txBody>
           <a:bodyPr anchor="b"/>
           <a:lstStyle>
             <a:lvl1pPr algn="ctr">
-              <a:defRPr sz="4000"/>
+              <a:defRPr sz="3600"/>
             </a:lvl1pPr>
           </a:lstStyle>
           <a:p>
@@ -173,8 +498,8 @@
         </p:nvSpPr>
         <p:spPr>
           <a:xfrm>
-            <a:off x="1143000" y="2401359"/>
-            <a:ext cx="6858000" cy="1103841"/>
+            <a:off x="914400" y="2401359"/>
+            <a:ext cx="5486400" cy="1103841"/>
           </a:xfrm>
         </p:spPr>
         <p:txBody>
@@ -182,39 +507,39 @@
           <a:lstStyle>
             <a:lvl1pPr marL="0" indent="0" algn="ctr">
               <a:buNone/>
-              <a:defRPr sz="1600"/>
+              <a:defRPr sz="1440"/>
             </a:lvl1pPr>
-            <a:lvl2pPr marL="304815" indent="0" algn="ctr">
-              <a:buNone/>
-              <a:defRPr sz="1333"/>
+            <a:lvl2pPr marL="274320" indent="0" algn="ctr">
+              <a:buNone/>
+              <a:defRPr sz="1200"/>
             </a:lvl2pPr>
-            <a:lvl3pPr marL="609630" indent="0" algn="ctr">
-              <a:buNone/>
-              <a:defRPr sz="1200"/>
+            <a:lvl3pPr marL="548640" indent="0" algn="ctr">
+              <a:buNone/>
+              <a:defRPr sz="1080"/>
             </a:lvl3pPr>
-            <a:lvl4pPr marL="914446" indent="0" algn="ctr">
-              <a:buNone/>
-              <a:defRPr sz="1067"/>
+            <a:lvl4pPr marL="822960" indent="0" algn="ctr">
+              <a:buNone/>
+              <a:defRPr sz="960"/>
             </a:lvl4pPr>
-            <a:lvl5pPr marL="1219261" indent="0" algn="ctr">
-              <a:buNone/>
-              <a:defRPr sz="1067"/>
+            <a:lvl5pPr marL="1097280" indent="0" algn="ctr">
+              <a:buNone/>
+              <a:defRPr sz="960"/>
             </a:lvl5pPr>
-            <a:lvl6pPr marL="1524076" indent="0" algn="ctr">
-              <a:buNone/>
-              <a:defRPr sz="1067"/>
+            <a:lvl6pPr marL="1371600" indent="0" algn="ctr">
+              <a:buNone/>
+              <a:defRPr sz="960"/>
             </a:lvl6pPr>
-            <a:lvl7pPr marL="1828891" indent="0" algn="ctr">
-              <a:buNone/>
-              <a:defRPr sz="1067"/>
+            <a:lvl7pPr marL="1645920" indent="0" algn="ctr">
+              <a:buNone/>
+              <a:defRPr sz="960"/>
             </a:lvl7pPr>
-            <a:lvl8pPr marL="2133707" indent="0" algn="ctr">
-              <a:buNone/>
-              <a:defRPr sz="1067"/>
+            <a:lvl8pPr marL="1920240" indent="0" algn="ctr">
+              <a:buNone/>
+              <a:defRPr sz="960"/>
             </a:lvl8pPr>
-            <a:lvl9pPr marL="2438522" indent="0" algn="ctr">
-              <a:buNone/>
-              <a:defRPr sz="1067"/>
+            <a:lvl9pPr marL="2194560" indent="0" algn="ctr">
+              <a:buNone/>
+              <a:defRPr sz="960"/>
             </a:lvl9pPr>
           </a:lstStyle>
           <a:p>
@@ -243,7 +568,7 @@
           <a:p>
             <a:fld id="{A89855A6-DD4B-4241-986F-CCA37C16A694}" type="datetimeFigureOut">
               <a:rPr lang="en-US" smtClean="0"/>
-              <a:t>5/15/2023</a:t>
+              <a:t>10/30/2024</a:t>
             </a:fld>
             <a:endParaRPr lang="en-US"/>
           </a:p>
@@ -294,7 +619,7 @@
     </p:spTree>
     <p:extLst>
       <p:ext uri="{BB962C8B-B14F-4D97-AF65-F5344CB8AC3E}">
-        <p14:creationId xmlns:p14="http://schemas.microsoft.com/office/powerpoint/2010/main" val="3522774990"/>
+        <p14:creationId xmlns:p14="http://schemas.microsoft.com/office/powerpoint/2010/main" val="578408826"/>
       </p:ext>
     </p:extLst>
   </p:cSld>
@@ -413,7 +738,7 @@
           <a:p>
             <a:fld id="{A89855A6-DD4B-4241-986F-CCA37C16A694}" type="datetimeFigureOut">
               <a:rPr lang="en-US" smtClean="0"/>
-              <a:t>5/15/2023</a:t>
+              <a:t>10/30/2024</a:t>
             </a:fld>
             <a:endParaRPr lang="en-US"/>
           </a:p>
@@ -464,7 +789,7 @@
     </p:spTree>
     <p:extLst>
       <p:ext uri="{BB962C8B-B14F-4D97-AF65-F5344CB8AC3E}">
-        <p14:creationId xmlns:p14="http://schemas.microsoft.com/office/powerpoint/2010/main" val="3867917922"/>
+        <p14:creationId xmlns:p14="http://schemas.microsoft.com/office/powerpoint/2010/main" val="1900311168"/>
       </p:ext>
     </p:extLst>
   </p:cSld>
@@ -503,8 +828,8 @@
         </p:nvSpPr>
         <p:spPr>
           <a:xfrm>
-            <a:off x="6543675" y="243417"/>
-            <a:ext cx="1971675" cy="3874559"/>
+            <a:off x="5234940" y="243417"/>
+            <a:ext cx="1577340" cy="3874559"/>
           </a:xfrm>
         </p:spPr>
         <p:txBody>
@@ -531,8 +856,8 @@
         </p:nvSpPr>
         <p:spPr>
           <a:xfrm>
-            <a:off x="628650" y="243417"/>
-            <a:ext cx="5800725" cy="3874559"/>
+            <a:off x="502920" y="243417"/>
+            <a:ext cx="4640580" cy="3874559"/>
           </a:xfrm>
         </p:spPr>
         <p:txBody>
@@ -593,7 +918,7 @@
           <a:p>
             <a:fld id="{A89855A6-DD4B-4241-986F-CCA37C16A694}" type="datetimeFigureOut">
               <a:rPr lang="en-US" smtClean="0"/>
-              <a:t>5/15/2023</a:t>
+              <a:t>10/30/2024</a:t>
             </a:fld>
             <a:endParaRPr lang="en-US"/>
           </a:p>
@@ -644,7 +969,7 @@
     </p:spTree>
     <p:extLst>
       <p:ext uri="{BB962C8B-B14F-4D97-AF65-F5344CB8AC3E}">
-        <p14:creationId xmlns:p14="http://schemas.microsoft.com/office/powerpoint/2010/main" val="4244977686"/>
+        <p14:creationId xmlns:p14="http://schemas.microsoft.com/office/powerpoint/2010/main" val="3631721091"/>
       </p:ext>
     </p:extLst>
   </p:cSld>
@@ -763,7 +1088,7 @@
           <a:p>
             <a:fld id="{A89855A6-DD4B-4241-986F-CCA37C16A694}" type="datetimeFigureOut">
               <a:rPr lang="en-US" smtClean="0"/>
-              <a:t>5/15/2023</a:t>
+              <a:t>10/30/2024</a:t>
             </a:fld>
             <a:endParaRPr lang="en-US"/>
           </a:p>
@@ -814,7 +1139,7 @@
     </p:spTree>
     <p:extLst>
       <p:ext uri="{BB962C8B-B14F-4D97-AF65-F5344CB8AC3E}">
-        <p14:creationId xmlns:p14="http://schemas.microsoft.com/office/powerpoint/2010/main" val="2149123307"/>
+        <p14:creationId xmlns:p14="http://schemas.microsoft.com/office/powerpoint/2010/main" val="90830960"/>
       </p:ext>
     </p:extLst>
   </p:cSld>
@@ -853,15 +1178,15 @@
         </p:nvSpPr>
         <p:spPr>
           <a:xfrm>
-            <a:off x="623888" y="1139826"/>
-            <a:ext cx="7886700" cy="1901825"/>
+            <a:off x="499110" y="1139826"/>
+            <a:ext cx="6309360" cy="1901825"/>
           </a:xfrm>
         </p:spPr>
         <p:txBody>
           <a:bodyPr anchor="b"/>
           <a:lstStyle>
             <a:lvl1pPr>
-              <a:defRPr sz="4000"/>
+              <a:defRPr sz="3600"/>
             </a:lvl1pPr>
           </a:lstStyle>
           <a:p>
@@ -885,8 +1210,8 @@
         </p:nvSpPr>
         <p:spPr>
           <a:xfrm>
-            <a:off x="623888" y="3059642"/>
-            <a:ext cx="7886700" cy="1000125"/>
+            <a:off x="499110" y="3059642"/>
+            <a:ext cx="6309360" cy="1000125"/>
           </a:xfrm>
         </p:spPr>
         <p:txBody>
@@ -894,7 +1219,7 @@
           <a:lstStyle>
             <a:lvl1pPr marL="0" indent="0">
               <a:buNone/>
-              <a:defRPr sz="1600">
+              <a:defRPr sz="1440">
                 <a:solidFill>
                   <a:schemeClr val="tx1">
                     <a:tint val="75000"/>
@@ -902,9 +1227,9 @@
                 </a:solidFill>
               </a:defRPr>
             </a:lvl1pPr>
-            <a:lvl2pPr marL="304815" indent="0">
-              <a:buNone/>
-              <a:defRPr sz="1333">
+            <a:lvl2pPr marL="274320" indent="0">
+              <a:buNone/>
+              <a:defRPr sz="1200">
                 <a:solidFill>
                   <a:schemeClr val="tx1">
                     <a:tint val="75000"/>
@@ -912,9 +1237,9 @@
                 </a:solidFill>
               </a:defRPr>
             </a:lvl2pPr>
-            <a:lvl3pPr marL="609630" indent="0">
-              <a:buNone/>
-              <a:defRPr sz="1200">
+            <a:lvl3pPr marL="548640" indent="0">
+              <a:buNone/>
+              <a:defRPr sz="1080">
                 <a:solidFill>
                   <a:schemeClr val="tx1">
                     <a:tint val="75000"/>
@@ -922,9 +1247,9 @@
                 </a:solidFill>
               </a:defRPr>
             </a:lvl3pPr>
-            <a:lvl4pPr marL="914446" indent="0">
-              <a:buNone/>
-              <a:defRPr sz="1067">
+            <a:lvl4pPr marL="822960" indent="0">
+              <a:buNone/>
+              <a:defRPr sz="960">
                 <a:solidFill>
                   <a:schemeClr val="tx1">
                     <a:tint val="75000"/>
@@ -932,9 +1257,9 @@
                 </a:solidFill>
               </a:defRPr>
             </a:lvl4pPr>
-            <a:lvl5pPr marL="1219261" indent="0">
-              <a:buNone/>
-              <a:defRPr sz="1067">
+            <a:lvl5pPr marL="1097280" indent="0">
+              <a:buNone/>
+              <a:defRPr sz="960">
                 <a:solidFill>
                   <a:schemeClr val="tx1">
                     <a:tint val="75000"/>
@@ -942,9 +1267,9 @@
                 </a:solidFill>
               </a:defRPr>
             </a:lvl5pPr>
-            <a:lvl6pPr marL="1524076" indent="0">
-              <a:buNone/>
-              <a:defRPr sz="1067">
+            <a:lvl6pPr marL="1371600" indent="0">
+              <a:buNone/>
+              <a:defRPr sz="960">
                 <a:solidFill>
                   <a:schemeClr val="tx1">
                     <a:tint val="75000"/>
@@ -952,9 +1277,9 @@
                 </a:solidFill>
               </a:defRPr>
             </a:lvl6pPr>
-            <a:lvl7pPr marL="1828891" indent="0">
-              <a:buNone/>
-              <a:defRPr sz="1067">
+            <a:lvl7pPr marL="1645920" indent="0">
+              <a:buNone/>
+              <a:defRPr sz="960">
                 <a:solidFill>
                   <a:schemeClr val="tx1">
                     <a:tint val="75000"/>
@@ -962,9 +1287,9 @@
                 </a:solidFill>
               </a:defRPr>
             </a:lvl7pPr>
-            <a:lvl8pPr marL="2133707" indent="0">
-              <a:buNone/>
-              <a:defRPr sz="1067">
+            <a:lvl8pPr marL="1920240" indent="0">
+              <a:buNone/>
+              <a:defRPr sz="960">
                 <a:solidFill>
                   <a:schemeClr val="tx1">
                     <a:tint val="75000"/>
@@ -972,9 +1297,9 @@
                 </a:solidFill>
               </a:defRPr>
             </a:lvl8pPr>
-            <a:lvl9pPr marL="2438522" indent="0">
-              <a:buNone/>
-              <a:defRPr sz="1067">
+            <a:lvl9pPr marL="2194560" indent="0">
+              <a:buNone/>
+              <a:defRPr sz="960">
                 <a:solidFill>
                   <a:schemeClr val="tx1">
                     <a:tint val="75000"/>
@@ -1009,7 +1334,7 @@
           <a:p>
             <a:fld id="{A89855A6-DD4B-4241-986F-CCA37C16A694}" type="datetimeFigureOut">
               <a:rPr lang="en-US" smtClean="0"/>
-              <a:t>5/15/2023</a:t>
+              <a:t>10/30/2024</a:t>
             </a:fld>
             <a:endParaRPr lang="en-US"/>
           </a:p>
@@ -1060,7 +1385,7 @@
     </p:spTree>
     <p:extLst>
       <p:ext uri="{BB962C8B-B14F-4D97-AF65-F5344CB8AC3E}">
-        <p14:creationId xmlns:p14="http://schemas.microsoft.com/office/powerpoint/2010/main" val="2402520943"/>
+        <p14:creationId xmlns:p14="http://schemas.microsoft.com/office/powerpoint/2010/main" val="3160596862"/>
       </p:ext>
     </p:extLst>
   </p:cSld>
@@ -1122,8 +1447,8 @@
         </p:nvSpPr>
         <p:spPr>
           <a:xfrm>
-            <a:off x="628650" y="1217083"/>
-            <a:ext cx="3886200" cy="2900892"/>
+            <a:off x="502920" y="1217083"/>
+            <a:ext cx="3108960" cy="2900892"/>
           </a:xfrm>
         </p:spPr>
         <p:txBody>
@@ -1179,8 +1504,8 @@
         </p:nvSpPr>
         <p:spPr>
           <a:xfrm>
-            <a:off x="4629150" y="1217083"/>
-            <a:ext cx="3886200" cy="2900892"/>
+            <a:off x="3703320" y="1217083"/>
+            <a:ext cx="3108960" cy="2900892"/>
           </a:xfrm>
         </p:spPr>
         <p:txBody>
@@ -1241,7 +1566,7 @@
           <a:p>
             <a:fld id="{A89855A6-DD4B-4241-986F-CCA37C16A694}" type="datetimeFigureOut">
               <a:rPr lang="en-US" smtClean="0"/>
-              <a:t>5/15/2023</a:t>
+              <a:t>10/30/2024</a:t>
             </a:fld>
             <a:endParaRPr lang="en-US"/>
           </a:p>
@@ -1292,7 +1617,7 @@
     </p:spTree>
     <p:extLst>
       <p:ext uri="{BB962C8B-B14F-4D97-AF65-F5344CB8AC3E}">
-        <p14:creationId xmlns:p14="http://schemas.microsoft.com/office/powerpoint/2010/main" val="1753057828"/>
+        <p14:creationId xmlns:p14="http://schemas.microsoft.com/office/powerpoint/2010/main" val="1774640824"/>
       </p:ext>
     </p:extLst>
   </p:cSld>
@@ -1331,8 +1656,8 @@
         </p:nvSpPr>
         <p:spPr>
           <a:xfrm>
-            <a:off x="629841" y="243417"/>
-            <a:ext cx="7886700" cy="883709"/>
+            <a:off x="503873" y="243417"/>
+            <a:ext cx="6309360" cy="883709"/>
           </a:xfrm>
         </p:spPr>
         <p:txBody>
@@ -1359,8 +1684,8 @@
         </p:nvSpPr>
         <p:spPr>
           <a:xfrm>
-            <a:off x="629842" y="1120775"/>
-            <a:ext cx="3868340" cy="549275"/>
+            <a:off x="503873" y="1120775"/>
+            <a:ext cx="3094672" cy="549275"/>
           </a:xfrm>
         </p:spPr>
         <p:txBody>
@@ -1368,39 +1693,39 @@
           <a:lstStyle>
             <a:lvl1pPr marL="0" indent="0">
               <a:buNone/>
-              <a:defRPr sz="1600" b="1"/>
+              <a:defRPr sz="1440" b="1"/>
             </a:lvl1pPr>
-            <a:lvl2pPr marL="304815" indent="0">
-              <a:buNone/>
-              <a:defRPr sz="1333" b="1"/>
+            <a:lvl2pPr marL="274320" indent="0">
+              <a:buNone/>
+              <a:defRPr sz="1200" b="1"/>
             </a:lvl2pPr>
-            <a:lvl3pPr marL="609630" indent="0">
-              <a:buNone/>
-              <a:defRPr sz="1200" b="1"/>
+            <a:lvl3pPr marL="548640" indent="0">
+              <a:buNone/>
+              <a:defRPr sz="1080" b="1"/>
             </a:lvl3pPr>
-            <a:lvl4pPr marL="914446" indent="0">
-              <a:buNone/>
-              <a:defRPr sz="1067" b="1"/>
+            <a:lvl4pPr marL="822960" indent="0">
+              <a:buNone/>
+              <a:defRPr sz="960" b="1"/>
             </a:lvl4pPr>
-            <a:lvl5pPr marL="1219261" indent="0">
-              <a:buNone/>
-              <a:defRPr sz="1067" b="1"/>
+            <a:lvl5pPr marL="1097280" indent="0">
+              <a:buNone/>
+              <a:defRPr sz="960" b="1"/>
             </a:lvl5pPr>
-            <a:lvl6pPr marL="1524076" indent="0">
-              <a:buNone/>
-              <a:defRPr sz="1067" b="1"/>
+            <a:lvl6pPr marL="1371600" indent="0">
+              <a:buNone/>
+              <a:defRPr sz="960" b="1"/>
             </a:lvl6pPr>
-            <a:lvl7pPr marL="1828891" indent="0">
-              <a:buNone/>
-              <a:defRPr sz="1067" b="1"/>
+            <a:lvl7pPr marL="1645920" indent="0">
+              <a:buNone/>
+              <a:defRPr sz="960" b="1"/>
             </a:lvl7pPr>
-            <a:lvl8pPr marL="2133707" indent="0">
-              <a:buNone/>
-              <a:defRPr sz="1067" b="1"/>
+            <a:lvl8pPr marL="1920240" indent="0">
+              <a:buNone/>
+              <a:defRPr sz="960" b="1"/>
             </a:lvl8pPr>
-            <a:lvl9pPr marL="2438522" indent="0">
-              <a:buNone/>
-              <a:defRPr sz="1067" b="1"/>
+            <a:lvl9pPr marL="2194560" indent="0">
+              <a:buNone/>
+              <a:defRPr sz="960" b="1"/>
             </a:lvl9pPr>
           </a:lstStyle>
           <a:p>
@@ -1424,8 +1749,8 @@
         </p:nvSpPr>
         <p:spPr>
           <a:xfrm>
-            <a:off x="629842" y="1670050"/>
-            <a:ext cx="3868340" cy="2456392"/>
+            <a:off x="503873" y="1670050"/>
+            <a:ext cx="3094672" cy="2456392"/>
           </a:xfrm>
         </p:spPr>
         <p:txBody>
@@ -1481,8 +1806,8 @@
         </p:nvSpPr>
         <p:spPr>
           <a:xfrm>
-            <a:off x="4629150" y="1120775"/>
-            <a:ext cx="3887391" cy="549275"/>
+            <a:off x="3703320" y="1120775"/>
+            <a:ext cx="3109913" cy="549275"/>
           </a:xfrm>
         </p:spPr>
         <p:txBody>
@@ -1490,39 +1815,39 @@
           <a:lstStyle>
             <a:lvl1pPr marL="0" indent="0">
               <a:buNone/>
-              <a:defRPr sz="1600" b="1"/>
+              <a:defRPr sz="1440" b="1"/>
             </a:lvl1pPr>
-            <a:lvl2pPr marL="304815" indent="0">
-              <a:buNone/>
-              <a:defRPr sz="1333" b="1"/>
+            <a:lvl2pPr marL="274320" indent="0">
+              <a:buNone/>
+              <a:defRPr sz="1200" b="1"/>
             </a:lvl2pPr>
-            <a:lvl3pPr marL="609630" indent="0">
-              <a:buNone/>
-              <a:defRPr sz="1200" b="1"/>
+            <a:lvl3pPr marL="548640" indent="0">
+              <a:buNone/>
+              <a:defRPr sz="1080" b="1"/>
             </a:lvl3pPr>
-            <a:lvl4pPr marL="914446" indent="0">
-              <a:buNone/>
-              <a:defRPr sz="1067" b="1"/>
+            <a:lvl4pPr marL="822960" indent="0">
+              <a:buNone/>
+              <a:defRPr sz="960" b="1"/>
             </a:lvl4pPr>
-            <a:lvl5pPr marL="1219261" indent="0">
-              <a:buNone/>
-              <a:defRPr sz="1067" b="1"/>
+            <a:lvl5pPr marL="1097280" indent="0">
+              <a:buNone/>
+              <a:defRPr sz="960" b="1"/>
             </a:lvl5pPr>
-            <a:lvl6pPr marL="1524076" indent="0">
-              <a:buNone/>
-              <a:defRPr sz="1067" b="1"/>
+            <a:lvl6pPr marL="1371600" indent="0">
+              <a:buNone/>
+              <a:defRPr sz="960" b="1"/>
             </a:lvl6pPr>
-            <a:lvl7pPr marL="1828891" indent="0">
-              <a:buNone/>
-              <a:defRPr sz="1067" b="1"/>
+            <a:lvl7pPr marL="1645920" indent="0">
+              <a:buNone/>
+              <a:defRPr sz="960" b="1"/>
             </a:lvl7pPr>
-            <a:lvl8pPr marL="2133707" indent="0">
-              <a:buNone/>
-              <a:defRPr sz="1067" b="1"/>
+            <a:lvl8pPr marL="1920240" indent="0">
+              <a:buNone/>
+              <a:defRPr sz="960" b="1"/>
             </a:lvl8pPr>
-            <a:lvl9pPr marL="2438522" indent="0">
-              <a:buNone/>
-              <a:defRPr sz="1067" b="1"/>
+            <a:lvl9pPr marL="2194560" indent="0">
+              <a:buNone/>
+              <a:defRPr sz="960" b="1"/>
             </a:lvl9pPr>
           </a:lstStyle>
           <a:p>
@@ -1546,8 +1871,8 @@
         </p:nvSpPr>
         <p:spPr>
           <a:xfrm>
-            <a:off x="4629150" y="1670050"/>
-            <a:ext cx="3887391" cy="2456392"/>
+            <a:off x="3703320" y="1670050"/>
+            <a:ext cx="3109913" cy="2456392"/>
           </a:xfrm>
         </p:spPr>
         <p:txBody>
@@ -1608,7 +1933,7 @@
           <a:p>
             <a:fld id="{A89855A6-DD4B-4241-986F-CCA37C16A694}" type="datetimeFigureOut">
               <a:rPr lang="en-US" smtClean="0"/>
-              <a:t>5/15/2023</a:t>
+              <a:t>10/30/2024</a:t>
             </a:fld>
             <a:endParaRPr lang="en-US"/>
           </a:p>
@@ -1659,7 +1984,7 @@
     </p:spTree>
     <p:extLst>
       <p:ext uri="{BB962C8B-B14F-4D97-AF65-F5344CB8AC3E}">
-        <p14:creationId xmlns:p14="http://schemas.microsoft.com/office/powerpoint/2010/main" val="2980736857"/>
+        <p14:creationId xmlns:p14="http://schemas.microsoft.com/office/powerpoint/2010/main" val="3847642314"/>
       </p:ext>
     </p:extLst>
   </p:cSld>
@@ -1726,7 +2051,7 @@
           <a:p>
             <a:fld id="{A89855A6-DD4B-4241-986F-CCA37C16A694}" type="datetimeFigureOut">
               <a:rPr lang="en-US" smtClean="0"/>
-              <a:t>5/15/2023</a:t>
+              <a:t>10/30/2024</a:t>
             </a:fld>
             <a:endParaRPr lang="en-US"/>
           </a:p>
@@ -1777,7 +2102,7 @@
     </p:spTree>
     <p:extLst>
       <p:ext uri="{BB962C8B-B14F-4D97-AF65-F5344CB8AC3E}">
-        <p14:creationId xmlns:p14="http://schemas.microsoft.com/office/powerpoint/2010/main" val="2014334616"/>
+        <p14:creationId xmlns:p14="http://schemas.microsoft.com/office/powerpoint/2010/main" val="3243609602"/>
       </p:ext>
     </p:extLst>
   </p:cSld>
@@ -1821,7 +2146,7 @@
           <a:p>
             <a:fld id="{A89855A6-DD4B-4241-986F-CCA37C16A694}" type="datetimeFigureOut">
               <a:rPr lang="en-US" smtClean="0"/>
-              <a:t>5/15/2023</a:t>
+              <a:t>10/30/2024</a:t>
             </a:fld>
             <a:endParaRPr lang="en-US"/>
           </a:p>
@@ -1872,7 +2197,7 @@
     </p:spTree>
     <p:extLst>
       <p:ext uri="{BB962C8B-B14F-4D97-AF65-F5344CB8AC3E}">
-        <p14:creationId xmlns:p14="http://schemas.microsoft.com/office/powerpoint/2010/main" val="2126308542"/>
+        <p14:creationId xmlns:p14="http://schemas.microsoft.com/office/powerpoint/2010/main" val="1250472839"/>
       </p:ext>
     </p:extLst>
   </p:cSld>
@@ -1911,15 +2236,15 @@
         </p:nvSpPr>
         <p:spPr>
           <a:xfrm>
-            <a:off x="629841" y="304800"/>
-            <a:ext cx="2949178" cy="1066800"/>
+            <a:off x="503873" y="304800"/>
+            <a:ext cx="2359342" cy="1066800"/>
           </a:xfrm>
         </p:spPr>
         <p:txBody>
           <a:bodyPr anchor="b"/>
           <a:lstStyle>
             <a:lvl1pPr>
-              <a:defRPr sz="2133"/>
+              <a:defRPr sz="1920"/>
             </a:lvl1pPr>
           </a:lstStyle>
           <a:p>
@@ -1943,39 +2268,39 @@
         </p:nvSpPr>
         <p:spPr>
           <a:xfrm>
-            <a:off x="3887391" y="658284"/>
-            <a:ext cx="4629150" cy="3249083"/>
+            <a:off x="3109913" y="658284"/>
+            <a:ext cx="3703320" cy="3249083"/>
           </a:xfrm>
         </p:spPr>
         <p:txBody>
           <a:bodyPr/>
           <a:lstStyle>
             <a:lvl1pPr>
-              <a:defRPr sz="2133"/>
+              <a:defRPr sz="1920"/>
             </a:lvl1pPr>
             <a:lvl2pPr>
-              <a:defRPr sz="1867"/>
+              <a:defRPr sz="1680"/>
             </a:lvl2pPr>
             <a:lvl3pPr>
-              <a:defRPr sz="1600"/>
+              <a:defRPr sz="1440"/>
             </a:lvl3pPr>
             <a:lvl4pPr>
-              <a:defRPr sz="1333"/>
+              <a:defRPr sz="1200"/>
             </a:lvl4pPr>
             <a:lvl5pPr>
-              <a:defRPr sz="1333"/>
+              <a:defRPr sz="1200"/>
             </a:lvl5pPr>
             <a:lvl6pPr>
-              <a:defRPr sz="1333"/>
+              <a:defRPr sz="1200"/>
             </a:lvl6pPr>
             <a:lvl7pPr>
-              <a:defRPr sz="1333"/>
+              <a:defRPr sz="1200"/>
             </a:lvl7pPr>
             <a:lvl8pPr>
-              <a:defRPr sz="1333"/>
+              <a:defRPr sz="1200"/>
             </a:lvl8pPr>
             <a:lvl9pPr>
-              <a:defRPr sz="1333"/>
+              <a:defRPr sz="1200"/>
             </a:lvl9pPr>
           </a:lstStyle>
           <a:p>
@@ -2028,8 +2353,8 @@
         </p:nvSpPr>
         <p:spPr>
           <a:xfrm>
-            <a:off x="629841" y="1371600"/>
-            <a:ext cx="2949178" cy="2541059"/>
+            <a:off x="503873" y="1371600"/>
+            <a:ext cx="2359342" cy="2541059"/>
           </a:xfrm>
         </p:spPr>
         <p:txBody>
@@ -2037,39 +2362,39 @@
           <a:lstStyle>
             <a:lvl1pPr marL="0" indent="0">
               <a:buNone/>
-              <a:defRPr sz="1067"/>
+              <a:defRPr sz="960"/>
             </a:lvl1pPr>
-            <a:lvl2pPr marL="304815" indent="0">
-              <a:buNone/>
-              <a:defRPr sz="933"/>
+            <a:lvl2pPr marL="274320" indent="0">
+              <a:buNone/>
+              <a:defRPr sz="840"/>
             </a:lvl2pPr>
-            <a:lvl3pPr marL="609630" indent="0">
-              <a:buNone/>
-              <a:defRPr sz="800"/>
+            <a:lvl3pPr marL="548640" indent="0">
+              <a:buNone/>
+              <a:defRPr sz="720"/>
             </a:lvl3pPr>
-            <a:lvl4pPr marL="914446" indent="0">
-              <a:buNone/>
-              <a:defRPr sz="667"/>
+            <a:lvl4pPr marL="822960" indent="0">
+              <a:buNone/>
+              <a:defRPr sz="600"/>
             </a:lvl4pPr>
-            <a:lvl5pPr marL="1219261" indent="0">
-              <a:buNone/>
-              <a:defRPr sz="667"/>
+            <a:lvl5pPr marL="1097280" indent="0">
+              <a:buNone/>
+              <a:defRPr sz="600"/>
             </a:lvl5pPr>
-            <a:lvl6pPr marL="1524076" indent="0">
-              <a:buNone/>
-              <a:defRPr sz="667"/>
+            <a:lvl6pPr marL="1371600" indent="0">
+              <a:buNone/>
+              <a:defRPr sz="600"/>
             </a:lvl6pPr>
-            <a:lvl7pPr marL="1828891" indent="0">
-              <a:buNone/>
-              <a:defRPr sz="667"/>
+            <a:lvl7pPr marL="1645920" indent="0">
+              <a:buNone/>
+              <a:defRPr sz="600"/>
             </a:lvl7pPr>
-            <a:lvl8pPr marL="2133707" indent="0">
-              <a:buNone/>
-              <a:defRPr sz="667"/>
+            <a:lvl8pPr marL="1920240" indent="0">
+              <a:buNone/>
+              <a:defRPr sz="600"/>
             </a:lvl8pPr>
-            <a:lvl9pPr marL="2438522" indent="0">
-              <a:buNone/>
-              <a:defRPr sz="667"/>
+            <a:lvl9pPr marL="2194560" indent="0">
+              <a:buNone/>
+              <a:defRPr sz="600"/>
             </a:lvl9pPr>
           </a:lstStyle>
           <a:p>
@@ -2098,7 +2423,7 @@
           <a:p>
             <a:fld id="{A89855A6-DD4B-4241-986F-CCA37C16A694}" type="datetimeFigureOut">
               <a:rPr lang="en-US" smtClean="0"/>
-              <a:t>5/15/2023</a:t>
+              <a:t>10/30/2024</a:t>
             </a:fld>
             <a:endParaRPr lang="en-US"/>
           </a:p>
@@ -2149,7 +2474,7 @@
     </p:spTree>
     <p:extLst>
       <p:ext uri="{BB962C8B-B14F-4D97-AF65-F5344CB8AC3E}">
-        <p14:creationId xmlns:p14="http://schemas.microsoft.com/office/powerpoint/2010/main" val="1198581861"/>
+        <p14:creationId xmlns:p14="http://schemas.microsoft.com/office/powerpoint/2010/main" val="3476506998"/>
       </p:ext>
     </p:extLst>
   </p:cSld>
@@ -2188,15 +2513,15 @@
         </p:nvSpPr>
         <p:spPr>
           <a:xfrm>
-            <a:off x="629841" y="304800"/>
-            <a:ext cx="2949178" cy="1066800"/>
+            <a:off x="503873" y="304800"/>
+            <a:ext cx="2359342" cy="1066800"/>
           </a:xfrm>
         </p:spPr>
         <p:txBody>
           <a:bodyPr anchor="b"/>
           <a:lstStyle>
             <a:lvl1pPr>
-              <a:defRPr sz="2133"/>
+              <a:defRPr sz="1920"/>
             </a:lvl1pPr>
           </a:lstStyle>
           <a:p>
@@ -2220,8 +2545,8 @@
         </p:nvSpPr>
         <p:spPr>
           <a:xfrm>
-            <a:off x="3887391" y="658284"/>
-            <a:ext cx="4629150" cy="3249083"/>
+            <a:off x="3109913" y="658284"/>
+            <a:ext cx="3703320" cy="3249083"/>
           </a:xfrm>
         </p:spPr>
         <p:txBody>
@@ -2229,39 +2554,39 @@
           <a:lstStyle>
             <a:lvl1pPr marL="0" indent="0">
               <a:buNone/>
-              <a:defRPr sz="2133"/>
+              <a:defRPr sz="1920"/>
             </a:lvl1pPr>
-            <a:lvl2pPr marL="304815" indent="0">
-              <a:buNone/>
-              <a:defRPr sz="1867"/>
+            <a:lvl2pPr marL="274320" indent="0">
+              <a:buNone/>
+              <a:defRPr sz="1680"/>
             </a:lvl2pPr>
-            <a:lvl3pPr marL="609630" indent="0">
-              <a:buNone/>
-              <a:defRPr sz="1600"/>
+            <a:lvl3pPr marL="548640" indent="0">
+              <a:buNone/>
+              <a:defRPr sz="1440"/>
             </a:lvl3pPr>
-            <a:lvl4pPr marL="914446" indent="0">
-              <a:buNone/>
-              <a:defRPr sz="1333"/>
+            <a:lvl4pPr marL="822960" indent="0">
+              <a:buNone/>
+              <a:defRPr sz="1200"/>
             </a:lvl4pPr>
-            <a:lvl5pPr marL="1219261" indent="0">
-              <a:buNone/>
-              <a:defRPr sz="1333"/>
+            <a:lvl5pPr marL="1097280" indent="0">
+              <a:buNone/>
+              <a:defRPr sz="1200"/>
             </a:lvl5pPr>
-            <a:lvl6pPr marL="1524076" indent="0">
-              <a:buNone/>
-              <a:defRPr sz="1333"/>
+            <a:lvl6pPr marL="1371600" indent="0">
+              <a:buNone/>
+              <a:defRPr sz="1200"/>
             </a:lvl6pPr>
-            <a:lvl7pPr marL="1828891" indent="0">
-              <a:buNone/>
-              <a:defRPr sz="1333"/>
+            <a:lvl7pPr marL="1645920" indent="0">
+              <a:buNone/>
+              <a:defRPr sz="1200"/>
             </a:lvl7pPr>
-            <a:lvl8pPr marL="2133707" indent="0">
-              <a:buNone/>
-              <a:defRPr sz="1333"/>
+            <a:lvl8pPr marL="1920240" indent="0">
+              <a:buNone/>
+              <a:defRPr sz="1200"/>
             </a:lvl8pPr>
-            <a:lvl9pPr marL="2438522" indent="0">
-              <a:buNone/>
-              <a:defRPr sz="1333"/>
+            <a:lvl9pPr marL="2194560" indent="0">
+              <a:buNone/>
+              <a:defRPr sz="1200"/>
             </a:lvl9pPr>
           </a:lstStyle>
           <a:p>
@@ -2285,8 +2610,8 @@
         </p:nvSpPr>
         <p:spPr>
           <a:xfrm>
-            <a:off x="629841" y="1371600"/>
-            <a:ext cx="2949178" cy="2541059"/>
+            <a:off x="503873" y="1371600"/>
+            <a:ext cx="2359342" cy="2541059"/>
           </a:xfrm>
         </p:spPr>
         <p:txBody>
@@ -2294,39 +2619,39 @@
           <a:lstStyle>
             <a:lvl1pPr marL="0" indent="0">
               <a:buNone/>
-              <a:defRPr sz="1067"/>
+              <a:defRPr sz="960"/>
             </a:lvl1pPr>
-            <a:lvl2pPr marL="304815" indent="0">
-              <a:buNone/>
-              <a:defRPr sz="933"/>
+            <a:lvl2pPr marL="274320" indent="0">
+              <a:buNone/>
+              <a:defRPr sz="840"/>
             </a:lvl2pPr>
-            <a:lvl3pPr marL="609630" indent="0">
-              <a:buNone/>
-              <a:defRPr sz="800"/>
+            <a:lvl3pPr marL="548640" indent="0">
+              <a:buNone/>
+              <a:defRPr sz="720"/>
             </a:lvl3pPr>
-            <a:lvl4pPr marL="914446" indent="0">
-              <a:buNone/>
-              <a:defRPr sz="667"/>
+            <a:lvl4pPr marL="822960" indent="0">
+              <a:buNone/>
+              <a:defRPr sz="600"/>
             </a:lvl4pPr>
-            <a:lvl5pPr marL="1219261" indent="0">
-              <a:buNone/>
-              <a:defRPr sz="667"/>
+            <a:lvl5pPr marL="1097280" indent="0">
+              <a:buNone/>
+              <a:defRPr sz="600"/>
             </a:lvl5pPr>
-            <a:lvl6pPr marL="1524076" indent="0">
-              <a:buNone/>
-              <a:defRPr sz="667"/>
+            <a:lvl6pPr marL="1371600" indent="0">
+              <a:buNone/>
+              <a:defRPr sz="600"/>
             </a:lvl6pPr>
-            <a:lvl7pPr marL="1828891" indent="0">
-              <a:buNone/>
-              <a:defRPr sz="667"/>
+            <a:lvl7pPr marL="1645920" indent="0">
+              <a:buNone/>
+              <a:defRPr sz="600"/>
             </a:lvl7pPr>
-            <a:lvl8pPr marL="2133707" indent="0">
-              <a:buNone/>
-              <a:defRPr sz="667"/>
+            <a:lvl8pPr marL="1920240" indent="0">
+              <a:buNone/>
+              <a:defRPr sz="600"/>
             </a:lvl8pPr>
-            <a:lvl9pPr marL="2438522" indent="0">
-              <a:buNone/>
-              <a:defRPr sz="667"/>
+            <a:lvl9pPr marL="2194560" indent="0">
+              <a:buNone/>
+              <a:defRPr sz="600"/>
             </a:lvl9pPr>
           </a:lstStyle>
           <a:p>
@@ -2355,7 +2680,7 @@
           <a:p>
             <a:fld id="{A89855A6-DD4B-4241-986F-CCA37C16A694}" type="datetimeFigureOut">
               <a:rPr lang="en-US" smtClean="0"/>
-              <a:t>5/15/2023</a:t>
+              <a:t>10/30/2024</a:t>
             </a:fld>
             <a:endParaRPr lang="en-US"/>
           </a:p>
@@ -2406,7 +2731,7 @@
     </p:spTree>
     <p:extLst>
       <p:ext uri="{BB962C8B-B14F-4D97-AF65-F5344CB8AC3E}">
-        <p14:creationId xmlns:p14="http://schemas.microsoft.com/office/powerpoint/2010/main" val="2134735828"/>
+        <p14:creationId xmlns:p14="http://schemas.microsoft.com/office/powerpoint/2010/main" val="2352879286"/>
       </p:ext>
     </p:extLst>
   </p:cSld>
@@ -2450,8 +2775,8 @@
         </p:nvSpPr>
         <p:spPr>
           <a:xfrm>
-            <a:off x="628650" y="243417"/>
-            <a:ext cx="7886700" cy="883709"/>
+            <a:off x="502920" y="243417"/>
+            <a:ext cx="6309360" cy="883709"/>
           </a:xfrm>
           <a:prstGeom prst="rect">
             <a:avLst/>
@@ -2483,8 +2808,8 @@
         </p:nvSpPr>
         <p:spPr>
           <a:xfrm>
-            <a:off x="628650" y="1217083"/>
-            <a:ext cx="7886700" cy="2900892"/>
+            <a:off x="502920" y="1217083"/>
+            <a:ext cx="6309360" cy="2900892"/>
           </a:xfrm>
           <a:prstGeom prst="rect">
             <a:avLst/>
@@ -2545,8 +2870,8 @@
         </p:nvSpPr>
         <p:spPr>
           <a:xfrm>
-            <a:off x="628650" y="4237567"/>
-            <a:ext cx="2057400" cy="243417"/>
+            <a:off x="502920" y="4237567"/>
+            <a:ext cx="1645920" cy="243417"/>
           </a:xfrm>
           <a:prstGeom prst="rect">
             <a:avLst/>
@@ -2556,7 +2881,7 @@
           <a:bodyPr vert="horz" lIns="91440" tIns="45720" rIns="91440" bIns="45720" rtlCol="0" anchor="ctr"/>
           <a:lstStyle>
             <a:lvl1pPr algn="l">
-              <a:defRPr sz="800">
+              <a:defRPr sz="720">
                 <a:solidFill>
                   <a:schemeClr val="tx1">
                     <a:tint val="75000"/>
@@ -2568,7 +2893,7 @@
           <a:p>
             <a:fld id="{A89855A6-DD4B-4241-986F-CCA37C16A694}" type="datetimeFigureOut">
               <a:rPr lang="en-US" smtClean="0"/>
-              <a:t>5/15/2023</a:t>
+              <a:t>10/30/2024</a:t>
             </a:fld>
             <a:endParaRPr lang="en-US"/>
           </a:p>
@@ -2586,8 +2911,8 @@
         </p:nvSpPr>
         <p:spPr>
           <a:xfrm>
-            <a:off x="3028950" y="4237567"/>
-            <a:ext cx="3086100" cy="243417"/>
+            <a:off x="2423160" y="4237567"/>
+            <a:ext cx="2468880" cy="243417"/>
           </a:xfrm>
           <a:prstGeom prst="rect">
             <a:avLst/>
@@ -2597,7 +2922,7 @@
           <a:bodyPr vert="horz" lIns="91440" tIns="45720" rIns="91440" bIns="45720" rtlCol="0" anchor="ctr"/>
           <a:lstStyle>
             <a:lvl1pPr algn="ctr">
-              <a:defRPr sz="800">
+              <a:defRPr sz="720">
                 <a:solidFill>
                   <a:schemeClr val="tx1">
                     <a:tint val="75000"/>
@@ -2623,8 +2948,8 @@
         </p:nvSpPr>
         <p:spPr>
           <a:xfrm>
-            <a:off x="6457950" y="4237567"/>
-            <a:ext cx="2057400" cy="243417"/>
+            <a:off x="5166360" y="4237567"/>
+            <a:ext cx="1645920" cy="243417"/>
           </a:xfrm>
           <a:prstGeom prst="rect">
             <a:avLst/>
@@ -2634,7 +2959,7 @@
           <a:bodyPr vert="horz" lIns="91440" tIns="45720" rIns="91440" bIns="45720" rtlCol="0" anchor="ctr"/>
           <a:lstStyle>
             <a:lvl1pPr algn="r">
-              <a:defRPr sz="800">
+              <a:defRPr sz="720">
                 <a:solidFill>
                   <a:schemeClr val="tx1">
                     <a:tint val="75000"/>
@@ -2655,27 +2980,27 @@
     </p:spTree>
     <p:extLst>
       <p:ext uri="{BB962C8B-B14F-4D97-AF65-F5344CB8AC3E}">
-        <p14:creationId xmlns:p14="http://schemas.microsoft.com/office/powerpoint/2010/main" val="4099404481"/>
+        <p14:creationId xmlns:p14="http://schemas.microsoft.com/office/powerpoint/2010/main" val="2037304555"/>
       </p:ext>
     </p:extLst>
   </p:cSld>
   <p:clrMap bg1="lt1" tx1="dk1" bg2="lt2" tx2="dk2" accent1="accent1" accent2="accent2" accent3="accent3" accent4="accent4" accent5="accent5" accent6="accent6" hlink="hlink" folHlink="folHlink"/>
   <p:sldLayoutIdLst>
-    <p:sldLayoutId id="2147483673" r:id="rId1"/>
-    <p:sldLayoutId id="2147483674" r:id="rId2"/>
-    <p:sldLayoutId id="2147483675" r:id="rId3"/>
-    <p:sldLayoutId id="2147483676" r:id="rId4"/>
-    <p:sldLayoutId id="2147483677" r:id="rId5"/>
-    <p:sldLayoutId id="2147483678" r:id="rId6"/>
-    <p:sldLayoutId id="2147483679" r:id="rId7"/>
-    <p:sldLayoutId id="2147483680" r:id="rId8"/>
-    <p:sldLayoutId id="2147483681" r:id="rId9"/>
-    <p:sldLayoutId id="2147483682" r:id="rId10"/>
-    <p:sldLayoutId id="2147483683" r:id="rId11"/>
+    <p:sldLayoutId id="2147483685" r:id="rId1"/>
+    <p:sldLayoutId id="2147483686" r:id="rId2"/>
+    <p:sldLayoutId id="2147483687" r:id="rId3"/>
+    <p:sldLayoutId id="2147483688" r:id="rId4"/>
+    <p:sldLayoutId id="2147483689" r:id="rId5"/>
+    <p:sldLayoutId id="2147483690" r:id="rId6"/>
+    <p:sldLayoutId id="2147483691" r:id="rId7"/>
+    <p:sldLayoutId id="2147483692" r:id="rId8"/>
+    <p:sldLayoutId id="2147483693" r:id="rId9"/>
+    <p:sldLayoutId id="2147483694" r:id="rId10"/>
+    <p:sldLayoutId id="2147483695" r:id="rId11"/>
   </p:sldLayoutIdLst>
   <p:txStyles>
     <p:titleStyle>
-      <a:lvl1pPr algn="l" defTabSz="609630" rtl="0" eaLnBrk="1" latinLnBrk="0" hangingPunct="1">
+      <a:lvl1pPr algn="l" defTabSz="548640" rtl="0" eaLnBrk="1" latinLnBrk="0" hangingPunct="1">
         <a:lnSpc>
           <a:spcPct val="90000"/>
         </a:lnSpc>
@@ -2683,7 +3008,7 @@
           <a:spcPct val="0"/>
         </a:spcBef>
         <a:buNone/>
-        <a:defRPr sz="2933" kern="1200">
+        <a:defRPr sz="2640" kern="1200">
           <a:solidFill>
             <a:schemeClr val="tx1"/>
           </a:solidFill>
@@ -2694,16 +3019,16 @@
       </a:lvl1pPr>
     </p:titleStyle>
     <p:bodyStyle>
-      <a:lvl1pPr marL="152408" indent="-152408" algn="l" defTabSz="609630" rtl="0" eaLnBrk="1" latinLnBrk="0" hangingPunct="1">
+      <a:lvl1pPr marL="137160" indent="-137160" algn="l" defTabSz="548640" rtl="0" eaLnBrk="1" latinLnBrk="0" hangingPunct="1">
         <a:lnSpc>
           <a:spcPct val="90000"/>
         </a:lnSpc>
         <a:spcBef>
-          <a:spcPts val="667"/>
+          <a:spcPts val="600"/>
         </a:spcBef>
         <a:buFont typeface="Arial" panose="020B0604020202020204" pitchFamily="34" charset="0"/>
         <a:buChar char="•"/>
-        <a:defRPr sz="1867" kern="1200">
+        <a:defRPr sz="1680" kern="1200">
           <a:solidFill>
             <a:schemeClr val="tx1"/>
           </a:solidFill>
@@ -2712,16 +3037,16 @@
           <a:cs typeface="+mn-cs"/>
         </a:defRPr>
       </a:lvl1pPr>
-      <a:lvl2pPr marL="457223" indent="-152408" algn="l" defTabSz="609630" rtl="0" eaLnBrk="1" latinLnBrk="0" hangingPunct="1">
+      <a:lvl2pPr marL="411480" indent="-137160" algn="l" defTabSz="548640" rtl="0" eaLnBrk="1" latinLnBrk="0" hangingPunct="1">
         <a:lnSpc>
           <a:spcPct val="90000"/>
         </a:lnSpc>
         <a:spcBef>
-          <a:spcPts val="333"/>
+          <a:spcPts val="300"/>
         </a:spcBef>
         <a:buFont typeface="Arial" panose="020B0604020202020204" pitchFamily="34" charset="0"/>
         <a:buChar char="•"/>
-        <a:defRPr sz="1600" kern="1200">
+        <a:defRPr sz="1440" kern="1200">
           <a:solidFill>
             <a:schemeClr val="tx1"/>
           </a:solidFill>
@@ -2730,30 +3055,12 @@
           <a:cs typeface="+mn-cs"/>
         </a:defRPr>
       </a:lvl2pPr>
-      <a:lvl3pPr marL="762038" indent="-152408" algn="l" defTabSz="609630" rtl="0" eaLnBrk="1" latinLnBrk="0" hangingPunct="1">
+      <a:lvl3pPr marL="685800" indent="-137160" algn="l" defTabSz="548640" rtl="0" eaLnBrk="1" latinLnBrk="0" hangingPunct="1">
         <a:lnSpc>
           <a:spcPct val="90000"/>
         </a:lnSpc>
         <a:spcBef>
-          <a:spcPts val="333"/>
-        </a:spcBef>
-        <a:buFont typeface="Arial" panose="020B0604020202020204" pitchFamily="34" charset="0"/>
-        <a:buChar char="•"/>
-        <a:defRPr sz="1333" kern="1200">
-          <a:solidFill>
-            <a:schemeClr val="tx1"/>
-          </a:solidFill>
-          <a:latin typeface="+mn-lt"/>
-          <a:ea typeface="+mn-ea"/>
-          <a:cs typeface="+mn-cs"/>
-        </a:defRPr>
-      </a:lvl3pPr>
-      <a:lvl4pPr marL="1066853" indent="-152408" algn="l" defTabSz="609630" rtl="0" eaLnBrk="1" latinLnBrk="0" hangingPunct="1">
-        <a:lnSpc>
-          <a:spcPct val="90000"/>
-        </a:lnSpc>
-        <a:spcBef>
-          <a:spcPts val="333"/>
+          <a:spcPts val="300"/>
         </a:spcBef>
         <a:buFont typeface="Arial" panose="020B0604020202020204" pitchFamily="34" charset="0"/>
         <a:buChar char="•"/>
@@ -2765,17 +3072,35 @@
           <a:ea typeface="+mn-ea"/>
           <a:cs typeface="+mn-cs"/>
         </a:defRPr>
-      </a:lvl4pPr>
-      <a:lvl5pPr marL="1371669" indent="-152408" algn="l" defTabSz="609630" rtl="0" eaLnBrk="1" latinLnBrk="0" hangingPunct="1">
+      </a:lvl3pPr>
+      <a:lvl4pPr marL="960120" indent="-137160" algn="l" defTabSz="548640" rtl="0" eaLnBrk="1" latinLnBrk="0" hangingPunct="1">
         <a:lnSpc>
           <a:spcPct val="90000"/>
         </a:lnSpc>
         <a:spcBef>
-          <a:spcPts val="333"/>
+          <a:spcPts val="300"/>
         </a:spcBef>
         <a:buFont typeface="Arial" panose="020B0604020202020204" pitchFamily="34" charset="0"/>
         <a:buChar char="•"/>
-        <a:defRPr sz="1200" kern="1200">
+        <a:defRPr sz="1080" kern="1200">
+          <a:solidFill>
+            <a:schemeClr val="tx1"/>
+          </a:solidFill>
+          <a:latin typeface="+mn-lt"/>
+          <a:ea typeface="+mn-ea"/>
+          <a:cs typeface="+mn-cs"/>
+        </a:defRPr>
+      </a:lvl4pPr>
+      <a:lvl5pPr marL="1234440" indent="-137160" algn="l" defTabSz="548640" rtl="0" eaLnBrk="1" latinLnBrk="0" hangingPunct="1">
+        <a:lnSpc>
+          <a:spcPct val="90000"/>
+        </a:lnSpc>
+        <a:spcBef>
+          <a:spcPts val="300"/>
+        </a:spcBef>
+        <a:buFont typeface="Arial" panose="020B0604020202020204" pitchFamily="34" charset="0"/>
+        <a:buChar char="•"/>
+        <a:defRPr sz="1080" kern="1200">
           <a:solidFill>
             <a:schemeClr val="tx1"/>
           </a:solidFill>
@@ -2784,16 +3109,16 @@
           <a:cs typeface="+mn-cs"/>
         </a:defRPr>
       </a:lvl5pPr>
-      <a:lvl6pPr marL="1676484" indent="-152408" algn="l" defTabSz="609630" rtl="0" eaLnBrk="1" latinLnBrk="0" hangingPunct="1">
+      <a:lvl6pPr marL="1508760" indent="-137160" algn="l" defTabSz="548640" rtl="0" eaLnBrk="1" latinLnBrk="0" hangingPunct="1">
         <a:lnSpc>
           <a:spcPct val="90000"/>
         </a:lnSpc>
         <a:spcBef>
-          <a:spcPts val="333"/>
+          <a:spcPts val="300"/>
         </a:spcBef>
         <a:buFont typeface="Arial" panose="020B0604020202020204" pitchFamily="34" charset="0"/>
         <a:buChar char="•"/>
-        <a:defRPr sz="1200" kern="1200">
+        <a:defRPr sz="1080" kern="1200">
           <a:solidFill>
             <a:schemeClr val="tx1"/>
           </a:solidFill>
@@ -2802,16 +3127,16 @@
           <a:cs typeface="+mn-cs"/>
         </a:defRPr>
       </a:lvl6pPr>
-      <a:lvl7pPr marL="1981299" indent="-152408" algn="l" defTabSz="609630" rtl="0" eaLnBrk="1" latinLnBrk="0" hangingPunct="1">
+      <a:lvl7pPr marL="1783080" indent="-137160" algn="l" defTabSz="548640" rtl="0" eaLnBrk="1" latinLnBrk="0" hangingPunct="1">
         <a:lnSpc>
           <a:spcPct val="90000"/>
         </a:lnSpc>
         <a:spcBef>
-          <a:spcPts val="333"/>
+          <a:spcPts val="300"/>
         </a:spcBef>
         <a:buFont typeface="Arial" panose="020B0604020202020204" pitchFamily="34" charset="0"/>
         <a:buChar char="•"/>
-        <a:defRPr sz="1200" kern="1200">
+        <a:defRPr sz="1080" kern="1200">
           <a:solidFill>
             <a:schemeClr val="tx1"/>
           </a:solidFill>
@@ -2820,16 +3145,16 @@
           <a:cs typeface="+mn-cs"/>
         </a:defRPr>
       </a:lvl7pPr>
-      <a:lvl8pPr marL="2286114" indent="-152408" algn="l" defTabSz="609630" rtl="0" eaLnBrk="1" latinLnBrk="0" hangingPunct="1">
+      <a:lvl8pPr marL="2057400" indent="-137160" algn="l" defTabSz="548640" rtl="0" eaLnBrk="1" latinLnBrk="0" hangingPunct="1">
         <a:lnSpc>
           <a:spcPct val="90000"/>
         </a:lnSpc>
         <a:spcBef>
-          <a:spcPts val="333"/>
+          <a:spcPts val="300"/>
         </a:spcBef>
         <a:buFont typeface="Arial" panose="020B0604020202020204" pitchFamily="34" charset="0"/>
         <a:buChar char="•"/>
-        <a:defRPr sz="1200" kern="1200">
+        <a:defRPr sz="1080" kern="1200">
           <a:solidFill>
             <a:schemeClr val="tx1"/>
           </a:solidFill>
@@ -2838,16 +3163,16 @@
           <a:cs typeface="+mn-cs"/>
         </a:defRPr>
       </a:lvl8pPr>
-      <a:lvl9pPr marL="2590930" indent="-152408" algn="l" defTabSz="609630" rtl="0" eaLnBrk="1" latinLnBrk="0" hangingPunct="1">
+      <a:lvl9pPr marL="2331720" indent="-137160" algn="l" defTabSz="548640" rtl="0" eaLnBrk="1" latinLnBrk="0" hangingPunct="1">
         <a:lnSpc>
           <a:spcPct val="90000"/>
         </a:lnSpc>
         <a:spcBef>
-          <a:spcPts val="333"/>
+          <a:spcPts val="300"/>
         </a:spcBef>
         <a:buFont typeface="Arial" panose="020B0604020202020204" pitchFamily="34" charset="0"/>
         <a:buChar char="•"/>
-        <a:defRPr sz="1200" kern="1200">
+        <a:defRPr sz="1080" kern="1200">
           <a:solidFill>
             <a:schemeClr val="tx1"/>
           </a:solidFill>
@@ -2861,8 +3186,8 @@
       <a:defPPr>
         <a:defRPr lang="en-US"/>
       </a:defPPr>
-      <a:lvl1pPr marL="0" algn="l" defTabSz="609630" rtl="0" eaLnBrk="1" latinLnBrk="0" hangingPunct="1">
-        <a:defRPr sz="1200" kern="1200">
+      <a:lvl1pPr marL="0" algn="l" defTabSz="548640" rtl="0" eaLnBrk="1" latinLnBrk="0" hangingPunct="1">
+        <a:defRPr sz="1080" kern="1200">
           <a:solidFill>
             <a:schemeClr val="tx1"/>
           </a:solidFill>
@@ -2871,8 +3196,8 @@
           <a:cs typeface="+mn-cs"/>
         </a:defRPr>
       </a:lvl1pPr>
-      <a:lvl2pPr marL="304815" algn="l" defTabSz="609630" rtl="0" eaLnBrk="1" latinLnBrk="0" hangingPunct="1">
-        <a:defRPr sz="1200" kern="1200">
+      <a:lvl2pPr marL="274320" algn="l" defTabSz="548640" rtl="0" eaLnBrk="1" latinLnBrk="0" hangingPunct="1">
+        <a:defRPr sz="1080" kern="1200">
           <a:solidFill>
             <a:schemeClr val="tx1"/>
           </a:solidFill>
@@ -2881,8 +3206,8 @@
           <a:cs typeface="+mn-cs"/>
         </a:defRPr>
       </a:lvl2pPr>
-      <a:lvl3pPr marL="609630" algn="l" defTabSz="609630" rtl="0" eaLnBrk="1" latinLnBrk="0" hangingPunct="1">
-        <a:defRPr sz="1200" kern="1200">
+      <a:lvl3pPr marL="548640" algn="l" defTabSz="548640" rtl="0" eaLnBrk="1" latinLnBrk="0" hangingPunct="1">
+        <a:defRPr sz="1080" kern="1200">
           <a:solidFill>
             <a:schemeClr val="tx1"/>
           </a:solidFill>
@@ -2891,8 +3216,8 @@
           <a:cs typeface="+mn-cs"/>
         </a:defRPr>
       </a:lvl3pPr>
-      <a:lvl4pPr marL="914446" algn="l" defTabSz="609630" rtl="0" eaLnBrk="1" latinLnBrk="0" hangingPunct="1">
-        <a:defRPr sz="1200" kern="1200">
+      <a:lvl4pPr marL="822960" algn="l" defTabSz="548640" rtl="0" eaLnBrk="1" latinLnBrk="0" hangingPunct="1">
+        <a:defRPr sz="1080" kern="1200">
           <a:solidFill>
             <a:schemeClr val="tx1"/>
           </a:solidFill>
@@ -2901,8 +3226,8 @@
           <a:cs typeface="+mn-cs"/>
         </a:defRPr>
       </a:lvl4pPr>
-      <a:lvl5pPr marL="1219261" algn="l" defTabSz="609630" rtl="0" eaLnBrk="1" latinLnBrk="0" hangingPunct="1">
-        <a:defRPr sz="1200" kern="1200">
+      <a:lvl5pPr marL="1097280" algn="l" defTabSz="548640" rtl="0" eaLnBrk="1" latinLnBrk="0" hangingPunct="1">
+        <a:defRPr sz="1080" kern="1200">
           <a:solidFill>
             <a:schemeClr val="tx1"/>
           </a:solidFill>
@@ -2911,8 +3236,8 @@
           <a:cs typeface="+mn-cs"/>
         </a:defRPr>
       </a:lvl5pPr>
-      <a:lvl6pPr marL="1524076" algn="l" defTabSz="609630" rtl="0" eaLnBrk="1" latinLnBrk="0" hangingPunct="1">
-        <a:defRPr sz="1200" kern="1200">
+      <a:lvl6pPr marL="1371600" algn="l" defTabSz="548640" rtl="0" eaLnBrk="1" latinLnBrk="0" hangingPunct="1">
+        <a:defRPr sz="1080" kern="1200">
           <a:solidFill>
             <a:schemeClr val="tx1"/>
           </a:solidFill>
@@ -2921,8 +3246,8 @@
           <a:cs typeface="+mn-cs"/>
         </a:defRPr>
       </a:lvl6pPr>
-      <a:lvl7pPr marL="1828891" algn="l" defTabSz="609630" rtl="0" eaLnBrk="1" latinLnBrk="0" hangingPunct="1">
-        <a:defRPr sz="1200" kern="1200">
+      <a:lvl7pPr marL="1645920" algn="l" defTabSz="548640" rtl="0" eaLnBrk="1" latinLnBrk="0" hangingPunct="1">
+        <a:defRPr sz="1080" kern="1200">
           <a:solidFill>
             <a:schemeClr val="tx1"/>
           </a:solidFill>
@@ -2931,8 +3256,8 @@
           <a:cs typeface="+mn-cs"/>
         </a:defRPr>
       </a:lvl7pPr>
-      <a:lvl8pPr marL="2133707" algn="l" defTabSz="609630" rtl="0" eaLnBrk="1" latinLnBrk="0" hangingPunct="1">
-        <a:defRPr sz="1200" kern="1200">
+      <a:lvl8pPr marL="1920240" algn="l" defTabSz="548640" rtl="0" eaLnBrk="1" latinLnBrk="0" hangingPunct="1">
+        <a:defRPr sz="1080" kern="1200">
           <a:solidFill>
             <a:schemeClr val="tx1"/>
           </a:solidFill>
@@ -2941,8 +3266,8 @@
           <a:cs typeface="+mn-cs"/>
         </a:defRPr>
       </a:lvl8pPr>
-      <a:lvl9pPr marL="2438522" algn="l" defTabSz="609630" rtl="0" eaLnBrk="1" latinLnBrk="0" hangingPunct="1">
-        <a:defRPr sz="1200" kern="1200">
+      <a:lvl9pPr marL="2194560" algn="l" defTabSz="548640" rtl="0" eaLnBrk="1" latinLnBrk="0" hangingPunct="1">
+        <a:defRPr sz="1080" kern="1200">
           <a:solidFill>
             <a:schemeClr val="tx1"/>
           </a:solidFill>
@@ -2973,884 +3298,293 @@
           <a:chExt cx="0" cy="0"/>
         </a:xfrm>
       </p:grpSpPr>
-      <p:sp>
-        <p:nvSpPr>
-          <p:cNvPr id="25" name="TextBox 24">
+      <p:grpSp>
+        <p:nvGrpSpPr>
+          <p:cNvPr id="31" name="Group 30">
             <a:extLst>
               <a:ext uri="{FF2B5EF4-FFF2-40B4-BE49-F238E27FC236}">
-                <a16:creationId xmlns:a16="http://schemas.microsoft.com/office/drawing/2014/main" id="{300F4CA7-EE64-4F9F-8169-A150E9B56E70}"/>
+                <a16:creationId xmlns:a16="http://schemas.microsoft.com/office/drawing/2014/main" id="{36187F3D-4934-A03C-0AE1-F40EFCF117EE}"/>
               </a:ext>
             </a:extLst>
           </p:cNvPr>
-          <p:cNvSpPr txBox="1"/>
+          <p:cNvGrpSpPr/>
           <p:nvPr/>
-        </p:nvSpPr>
-        <p:spPr>
-          <a:xfrm rot="16200000">
-            <a:off x="-588260" y="1982902"/>
-            <a:ext cx="2106617" cy="553998"/>
+        </p:nvGrpSpPr>
+        <p:grpSpPr>
+          <a:xfrm>
+            <a:off x="269693" y="169469"/>
+            <a:ext cx="6487437" cy="4233062"/>
+            <a:chOff x="188051" y="169469"/>
+            <a:chExt cx="6487437" cy="4233062"/>
           </a:xfrm>
-          <a:prstGeom prst="rect">
-            <a:avLst/>
-          </a:prstGeom>
-          <a:noFill/>
-        </p:spPr>
-        <p:txBody>
-          <a:bodyPr wrap="square" rtlCol="0">
-            <a:spAutoFit/>
-          </a:bodyPr>
-          <a:lstStyle/>
-          <a:p>
-            <a:pPr algn="ctr"/>
-            <a:r>
-              <a:rPr lang="en-US" sz="1500" dirty="0">
+        </p:grpSpPr>
+        <p:pic>
+          <p:nvPicPr>
+            <p:cNvPr id="33" name="Picture 32" descr="A picture containing diagram&#10;&#10;Description automatically generated">
+              <a:extLst>
+                <a:ext uri="{FF2B5EF4-FFF2-40B4-BE49-F238E27FC236}">
+                  <a16:creationId xmlns:a16="http://schemas.microsoft.com/office/drawing/2014/main" id="{AE80798E-A33F-0EDC-F7FB-2C323629EBF5}"/>
+                </a:ext>
+              </a:extLst>
+            </p:cNvPr>
+            <p:cNvPicPr>
+              <a:picLocks noChangeAspect="1"/>
+            </p:cNvPicPr>
+            <p:nvPr/>
+          </p:nvPicPr>
+          <p:blipFill rotWithShape="1">
+            <a:blip r:embed="rId2">
+              <a:extLst>
+                <a:ext uri="{28A0092B-C50C-407E-A947-70E740481C1C}">
+                  <a14:useLocalDpi xmlns:a14="http://schemas.microsoft.com/office/drawing/2010/main" val="0"/>
+                </a:ext>
+              </a:extLst>
+            </a:blip>
+            <a:srcRect l="464"/>
+            <a:stretch/>
+          </p:blipFill>
+          <p:spPr>
+            <a:xfrm>
+              <a:off x="776712" y="169469"/>
+              <a:ext cx="5898776" cy="4233062"/>
+            </a:xfrm>
+            <a:prstGeom prst="rect">
+              <a:avLst/>
+            </a:prstGeom>
+          </p:spPr>
+        </p:pic>
+        <p:sp>
+          <p:nvSpPr>
+            <p:cNvPr id="35" name="TextBox 34">
+              <a:extLst>
+                <a:ext uri="{FF2B5EF4-FFF2-40B4-BE49-F238E27FC236}">
+                  <a16:creationId xmlns:a16="http://schemas.microsoft.com/office/drawing/2014/main" id="{300F4CA7-EE64-4F9F-8169-A150E9B56E70}"/>
+                </a:ext>
+              </a:extLst>
+            </p:cNvPr>
+            <p:cNvSpPr txBox="1"/>
+            <p:nvPr/>
+          </p:nvSpPr>
+          <p:spPr>
+            <a:xfrm rot="16200000">
+              <a:off x="-588259" y="1687068"/>
+              <a:ext cx="2106617" cy="553998"/>
+            </a:xfrm>
+            <a:prstGeom prst="rect">
+              <a:avLst/>
+            </a:prstGeom>
+            <a:noFill/>
+          </p:spPr>
+          <p:txBody>
+            <a:bodyPr wrap="square" rtlCol="0">
+              <a:spAutoFit/>
+            </a:bodyPr>
+            <a:lstStyle/>
+            <a:p>
+              <a:pPr algn="ctr"/>
+              <a:r>
+                <a:rPr lang="en-US" sz="1500" dirty="0">
+                  <a:latin typeface="Arial" panose="020B0604020202020204" pitchFamily="34" charset="0"/>
+                  <a:cs typeface="Arial" panose="020B0604020202020204" pitchFamily="34" charset="0"/>
+                </a:rPr>
+                <a:t>Plaque attachment strength (KPa)</a:t>
+              </a:r>
+            </a:p>
+          </p:txBody>
+        </p:sp>
+        <p:sp>
+          <p:nvSpPr>
+            <p:cNvPr id="36" name="TextBox 35">
+              <a:extLst>
+                <a:ext uri="{FF2B5EF4-FFF2-40B4-BE49-F238E27FC236}">
+                  <a16:creationId xmlns:a16="http://schemas.microsoft.com/office/drawing/2014/main" id="{992DFD67-7687-D7B7-29FF-0F94035B0148}"/>
+                </a:ext>
+              </a:extLst>
+            </p:cNvPr>
+            <p:cNvSpPr txBox="1"/>
+            <p:nvPr/>
+          </p:nvSpPr>
+          <p:spPr>
+            <a:xfrm>
+              <a:off x="4847112" y="359385"/>
+              <a:ext cx="1610442" cy="276999"/>
+            </a:xfrm>
+            <a:prstGeom prst="rect">
+              <a:avLst/>
+            </a:prstGeom>
+            <a:solidFill>
+              <a:schemeClr val="bg1"/>
+            </a:solidFill>
+          </p:spPr>
+          <p:txBody>
+            <a:bodyPr wrap="none" rtlCol="0">
+              <a:spAutoFit/>
+            </a:bodyPr>
+            <a:lstStyle/>
+            <a:p>
+              <a:pPr algn="r"/>
+              <a:r>
+                <a:rPr lang="en-US" sz="1200" dirty="0">
+                  <a:latin typeface="Arial" panose="020B0604020202020204" pitchFamily="34" charset="0"/>
+                  <a:cs typeface="Arial" panose="020B0604020202020204" pitchFamily="34" charset="0"/>
+                </a:rPr>
+                <a:t>Treatment: p </a:t>
+              </a:r>
+              <a:r>
+                <a:rPr lang="en-US" sz="1200">
+                  <a:latin typeface="Arial" panose="020B0604020202020204" pitchFamily="34" charset="0"/>
+                  <a:cs typeface="Arial" panose="020B0604020202020204" pitchFamily="34" charset="0"/>
+                </a:rPr>
+                <a:t>= 0.010</a:t>
+              </a:r>
+              <a:endParaRPr lang="en-US" sz="1200" dirty="0">
                 <a:latin typeface="Arial" panose="020B0604020202020204" pitchFamily="34" charset="0"/>
                 <a:cs typeface="Arial" panose="020B0604020202020204" pitchFamily="34" charset="0"/>
-              </a:rPr>
-              <a:t>Plaque attachment strength (KPa)</a:t>
-            </a:r>
-          </a:p>
-        </p:txBody>
-      </p:sp>
-      <p:sp>
-        <p:nvSpPr>
-          <p:cNvPr id="26" name="TextBox 25">
-            <a:extLst>
-              <a:ext uri="{FF2B5EF4-FFF2-40B4-BE49-F238E27FC236}">
-                <a16:creationId xmlns:a16="http://schemas.microsoft.com/office/drawing/2014/main" id="{59DEA836-D44C-40CC-B21A-48478406AC02}"/>
-              </a:ext>
-            </a:extLst>
-          </p:cNvPr>
-          <p:cNvSpPr txBox="1"/>
-          <p:nvPr/>
-        </p:nvSpPr>
-        <p:spPr>
-          <a:xfrm>
-            <a:off x="1332356" y="753968"/>
-            <a:ext cx="1971309" cy="323165"/>
-          </a:xfrm>
-          <a:prstGeom prst="rect">
-            <a:avLst/>
-          </a:prstGeom>
-          <a:noFill/>
-        </p:spPr>
-        <p:txBody>
-          <a:bodyPr wrap="none" rtlCol="0">
-            <a:spAutoFit/>
-          </a:bodyPr>
-          <a:lstStyle/>
-          <a:p>
-            <a:pPr algn="ctr"/>
-            <a:r>
-              <a:rPr lang="en-US" sz="1500" b="1" dirty="0">
-                <a:latin typeface="Arial" panose="020B0604020202020204" pitchFamily="34" charset="0"/>
-                <a:cs typeface="Arial" panose="020B0604020202020204" pitchFamily="34" charset="0"/>
-              </a:rPr>
-              <a:t>Ocean Acidification</a:t>
-            </a:r>
-          </a:p>
-        </p:txBody>
-      </p:sp>
-      <p:sp>
-        <p:nvSpPr>
-          <p:cNvPr id="27" name="TextBox 26">
-            <a:extLst>
-              <a:ext uri="{FF2B5EF4-FFF2-40B4-BE49-F238E27FC236}">
-                <a16:creationId xmlns:a16="http://schemas.microsoft.com/office/drawing/2014/main" id="{7A9F455B-621D-40E1-89EE-5CBDFB741A92}"/>
-              </a:ext>
-            </a:extLst>
-          </p:cNvPr>
-          <p:cNvSpPr txBox="1"/>
-          <p:nvPr/>
-        </p:nvSpPr>
-        <p:spPr>
-          <a:xfrm>
-            <a:off x="4027435" y="753969"/>
-            <a:ext cx="1641090" cy="323165"/>
-          </a:xfrm>
-          <a:prstGeom prst="rect">
-            <a:avLst/>
-          </a:prstGeom>
-          <a:noFill/>
-        </p:spPr>
-        <p:txBody>
-          <a:bodyPr wrap="none" rtlCol="0">
-            <a:spAutoFit/>
-          </a:bodyPr>
-          <a:lstStyle/>
-          <a:p>
-            <a:pPr algn="ctr"/>
-            <a:r>
-              <a:rPr lang="en-US" sz="1500" b="1" dirty="0">
-                <a:latin typeface="Arial" panose="020B0604020202020204" pitchFamily="34" charset="0"/>
-                <a:cs typeface="Arial" panose="020B0604020202020204" pitchFamily="34" charset="0"/>
-              </a:rPr>
-              <a:t>Ocean Warming</a:t>
-            </a:r>
-          </a:p>
-        </p:txBody>
-      </p:sp>
-      <p:sp>
-        <p:nvSpPr>
-          <p:cNvPr id="28" name="TextBox 27">
-            <a:extLst>
-              <a:ext uri="{FF2B5EF4-FFF2-40B4-BE49-F238E27FC236}">
-                <a16:creationId xmlns:a16="http://schemas.microsoft.com/office/drawing/2014/main" id="{715D529A-204E-44A9-8BF9-EB26822B2D77}"/>
-              </a:ext>
-            </a:extLst>
-          </p:cNvPr>
-          <p:cNvSpPr txBox="1"/>
-          <p:nvPr/>
-        </p:nvSpPr>
-        <p:spPr>
-          <a:xfrm>
-            <a:off x="6850006" y="759876"/>
-            <a:ext cx="933269" cy="323165"/>
-          </a:xfrm>
-          <a:prstGeom prst="rect">
-            <a:avLst/>
-          </a:prstGeom>
-          <a:noFill/>
-        </p:spPr>
-        <p:txBody>
-          <a:bodyPr wrap="none" rtlCol="0">
-            <a:spAutoFit/>
-          </a:bodyPr>
-          <a:lstStyle/>
-          <a:p>
-            <a:pPr algn="ctr"/>
-            <a:r>
-              <a:rPr lang="en-US" sz="1500" b="1" dirty="0">
-                <a:latin typeface="Arial" panose="020B0604020202020204" pitchFamily="34" charset="0"/>
-                <a:cs typeface="Arial" panose="020B0604020202020204" pitchFamily="34" charset="0"/>
-              </a:rPr>
-              <a:t>Hypoxia</a:t>
-            </a:r>
-          </a:p>
-        </p:txBody>
-      </p:sp>
-      <p:sp>
-        <p:nvSpPr>
-          <p:cNvPr id="23" name="TextBox 22">
-            <a:extLst>
-              <a:ext uri="{FF2B5EF4-FFF2-40B4-BE49-F238E27FC236}">
-                <a16:creationId xmlns:a16="http://schemas.microsoft.com/office/drawing/2014/main" id="{A9957E33-0647-461E-8583-582C1B2C2661}"/>
-              </a:ext>
-            </a:extLst>
-          </p:cNvPr>
-          <p:cNvSpPr txBox="1"/>
-          <p:nvPr/>
-        </p:nvSpPr>
-        <p:spPr>
-          <a:xfrm>
-            <a:off x="2591944" y="1171030"/>
-            <a:ext cx="829074" cy="276999"/>
-          </a:xfrm>
-          <a:prstGeom prst="rect">
-            <a:avLst/>
-          </a:prstGeom>
-          <a:solidFill>
-            <a:schemeClr val="bg1"/>
-          </a:solidFill>
-        </p:spPr>
-        <p:txBody>
-          <a:bodyPr wrap="none" rtlCol="0">
-            <a:spAutoFit/>
-          </a:bodyPr>
-          <a:lstStyle/>
-          <a:p>
-            <a:pPr algn="r"/>
-            <a:r>
-              <a:rPr lang="en-US" sz="1200" dirty="0">
-                <a:latin typeface="Arial" panose="020B0604020202020204" pitchFamily="34" charset="0"/>
-                <a:cs typeface="Arial" panose="020B0604020202020204" pitchFamily="34" charset="0"/>
-              </a:rPr>
-              <a:t>p = 0.223</a:t>
-            </a:r>
-          </a:p>
-        </p:txBody>
-      </p:sp>
-      <p:sp>
-        <p:nvSpPr>
-          <p:cNvPr id="14" name="TextBox 13">
-            <a:extLst>
-              <a:ext uri="{FF2B5EF4-FFF2-40B4-BE49-F238E27FC236}">
-                <a16:creationId xmlns:a16="http://schemas.microsoft.com/office/drawing/2014/main" id="{992DFD67-7687-D7B7-29FF-0F94035B0148}"/>
-              </a:ext>
-            </a:extLst>
-          </p:cNvPr>
-          <p:cNvSpPr txBox="1"/>
-          <p:nvPr/>
-        </p:nvSpPr>
-        <p:spPr>
-          <a:xfrm>
-            <a:off x="5162424" y="1171029"/>
-            <a:ext cx="829074" cy="276999"/>
-          </a:xfrm>
-          <a:prstGeom prst="rect">
-            <a:avLst/>
-          </a:prstGeom>
-          <a:solidFill>
-            <a:schemeClr val="bg1"/>
-          </a:solidFill>
-        </p:spPr>
-        <p:txBody>
-          <a:bodyPr wrap="none" rtlCol="0">
-            <a:spAutoFit/>
-          </a:bodyPr>
-          <a:lstStyle/>
-          <a:p>
-            <a:pPr algn="r"/>
-            <a:r>
-              <a:rPr lang="en-US" sz="1200" dirty="0">
-                <a:latin typeface="Arial" panose="020B0604020202020204" pitchFamily="34" charset="0"/>
-                <a:cs typeface="Arial" panose="020B0604020202020204" pitchFamily="34" charset="0"/>
-              </a:rPr>
-              <a:t>p = 0.002</a:t>
-            </a:r>
-          </a:p>
-        </p:txBody>
-      </p:sp>
-      <p:sp>
-        <p:nvSpPr>
-          <p:cNvPr id="16" name="TextBox 15">
-            <a:extLst>
-              <a:ext uri="{FF2B5EF4-FFF2-40B4-BE49-F238E27FC236}">
-                <a16:creationId xmlns:a16="http://schemas.microsoft.com/office/drawing/2014/main" id="{9316BAFB-7FF7-0D9A-1206-212038AA58CC}"/>
-              </a:ext>
-            </a:extLst>
-          </p:cNvPr>
-          <p:cNvSpPr txBox="1"/>
-          <p:nvPr/>
-        </p:nvSpPr>
-        <p:spPr>
-          <a:xfrm>
-            <a:off x="1227565" y="3683554"/>
-            <a:ext cx="1090445" cy="461665"/>
-          </a:xfrm>
-          <a:prstGeom prst="rect">
-            <a:avLst/>
-          </a:prstGeom>
-          <a:solidFill>
-            <a:schemeClr val="bg1"/>
-          </a:solidFill>
-        </p:spPr>
-        <p:txBody>
-          <a:bodyPr wrap="square" rtlCol="0">
-            <a:spAutoFit/>
-          </a:bodyPr>
-          <a:lstStyle/>
-          <a:p>
-            <a:pPr algn="ctr"/>
-            <a:r>
-              <a:rPr lang="en-US" sz="1200" dirty="0">
-                <a:latin typeface="Arial" panose="020B0604020202020204" pitchFamily="34" charset="0"/>
-                <a:cs typeface="Arial" panose="020B0604020202020204" pitchFamily="34" charset="0"/>
-              </a:rPr>
-              <a:t>before treatment</a:t>
-            </a:r>
-          </a:p>
-        </p:txBody>
-      </p:sp>
-      <p:sp>
-        <p:nvSpPr>
-          <p:cNvPr id="17" name="TextBox 16">
-            <a:extLst>
-              <a:ext uri="{FF2B5EF4-FFF2-40B4-BE49-F238E27FC236}">
-                <a16:creationId xmlns:a16="http://schemas.microsoft.com/office/drawing/2014/main" id="{851AD4E4-199F-6B50-75C8-63B327DE43AA}"/>
-              </a:ext>
-            </a:extLst>
-          </p:cNvPr>
-          <p:cNvSpPr txBox="1"/>
-          <p:nvPr/>
-        </p:nvSpPr>
-        <p:spPr>
-          <a:xfrm>
-            <a:off x="2318010" y="3679873"/>
-            <a:ext cx="1090445" cy="461665"/>
-          </a:xfrm>
-          <a:prstGeom prst="rect">
-            <a:avLst/>
-          </a:prstGeom>
-          <a:solidFill>
-            <a:schemeClr val="bg1"/>
-          </a:solidFill>
-        </p:spPr>
-        <p:txBody>
-          <a:bodyPr wrap="square" rtlCol="0">
-            <a:spAutoFit/>
-          </a:bodyPr>
-          <a:lstStyle/>
-          <a:p>
-            <a:pPr algn="ctr"/>
-            <a:r>
-              <a:rPr lang="en-US" sz="1200" dirty="0">
-                <a:latin typeface="Arial" panose="020B0604020202020204" pitchFamily="34" charset="0"/>
-                <a:cs typeface="Arial" panose="020B0604020202020204" pitchFamily="34" charset="0"/>
-              </a:rPr>
-              <a:t>after treatment</a:t>
-            </a:r>
-          </a:p>
-        </p:txBody>
-      </p:sp>
-      <p:sp>
-        <p:nvSpPr>
-          <p:cNvPr id="18" name="TextBox 17">
-            <a:extLst>
-              <a:ext uri="{FF2B5EF4-FFF2-40B4-BE49-F238E27FC236}">
-                <a16:creationId xmlns:a16="http://schemas.microsoft.com/office/drawing/2014/main" id="{FE98423F-78DE-61F8-3007-8D884272D25C}"/>
-              </a:ext>
-            </a:extLst>
-          </p:cNvPr>
-          <p:cNvSpPr txBox="1"/>
-          <p:nvPr/>
-        </p:nvSpPr>
-        <p:spPr>
-          <a:xfrm>
-            <a:off x="3737085" y="3687234"/>
-            <a:ext cx="1090445" cy="461665"/>
-          </a:xfrm>
-          <a:prstGeom prst="rect">
-            <a:avLst/>
-          </a:prstGeom>
-          <a:solidFill>
-            <a:schemeClr val="bg1"/>
-          </a:solidFill>
-        </p:spPr>
-        <p:txBody>
-          <a:bodyPr wrap="square" rtlCol="0">
-            <a:spAutoFit/>
-          </a:bodyPr>
-          <a:lstStyle/>
-          <a:p>
-            <a:pPr algn="ctr"/>
-            <a:r>
-              <a:rPr lang="en-US" sz="1200" dirty="0">
-                <a:latin typeface="Arial" panose="020B0604020202020204" pitchFamily="34" charset="0"/>
-                <a:cs typeface="Arial" panose="020B0604020202020204" pitchFamily="34" charset="0"/>
-              </a:rPr>
-              <a:t>before treatment</a:t>
-            </a:r>
-          </a:p>
-        </p:txBody>
-      </p:sp>
-      <p:sp>
-        <p:nvSpPr>
-          <p:cNvPr id="19" name="TextBox 18">
-            <a:extLst>
-              <a:ext uri="{FF2B5EF4-FFF2-40B4-BE49-F238E27FC236}">
-                <a16:creationId xmlns:a16="http://schemas.microsoft.com/office/drawing/2014/main" id="{089D47E9-E3DB-6DFB-8E50-37AA8656DAE8}"/>
-              </a:ext>
-            </a:extLst>
-          </p:cNvPr>
-          <p:cNvSpPr txBox="1"/>
-          <p:nvPr/>
-        </p:nvSpPr>
-        <p:spPr>
-          <a:xfrm>
-            <a:off x="4827530" y="3683553"/>
-            <a:ext cx="1090445" cy="461665"/>
-          </a:xfrm>
-          <a:prstGeom prst="rect">
-            <a:avLst/>
-          </a:prstGeom>
-          <a:solidFill>
-            <a:schemeClr val="bg1"/>
-          </a:solidFill>
-        </p:spPr>
-        <p:txBody>
-          <a:bodyPr wrap="square" rtlCol="0">
-            <a:spAutoFit/>
-          </a:bodyPr>
-          <a:lstStyle/>
-          <a:p>
-            <a:pPr algn="ctr"/>
-            <a:r>
-              <a:rPr lang="en-US" sz="1200" dirty="0">
-                <a:latin typeface="Arial" panose="020B0604020202020204" pitchFamily="34" charset="0"/>
-                <a:cs typeface="Arial" panose="020B0604020202020204" pitchFamily="34" charset="0"/>
-              </a:rPr>
-              <a:t>after treatment</a:t>
-            </a:r>
-          </a:p>
-        </p:txBody>
-      </p:sp>
-      <p:sp>
-        <p:nvSpPr>
-          <p:cNvPr id="20" name="TextBox 19">
-            <a:extLst>
-              <a:ext uri="{FF2B5EF4-FFF2-40B4-BE49-F238E27FC236}">
-                <a16:creationId xmlns:a16="http://schemas.microsoft.com/office/drawing/2014/main" id="{E7D72052-FE19-A1C2-4BD4-6A1469C512ED}"/>
-              </a:ext>
-            </a:extLst>
-          </p:cNvPr>
-          <p:cNvSpPr txBox="1"/>
-          <p:nvPr/>
-        </p:nvSpPr>
-        <p:spPr>
-          <a:xfrm>
-            <a:off x="6289590" y="3681327"/>
-            <a:ext cx="1090445" cy="461665"/>
-          </a:xfrm>
-          <a:prstGeom prst="rect">
-            <a:avLst/>
-          </a:prstGeom>
-          <a:solidFill>
-            <a:schemeClr val="bg1"/>
-          </a:solidFill>
-        </p:spPr>
-        <p:txBody>
-          <a:bodyPr wrap="square" rtlCol="0">
-            <a:spAutoFit/>
-          </a:bodyPr>
-          <a:lstStyle/>
-          <a:p>
-            <a:pPr algn="ctr"/>
-            <a:r>
-              <a:rPr lang="en-US" sz="1200" dirty="0">
-                <a:latin typeface="Arial" panose="020B0604020202020204" pitchFamily="34" charset="0"/>
-                <a:cs typeface="Arial" panose="020B0604020202020204" pitchFamily="34" charset="0"/>
-              </a:rPr>
-              <a:t>before treatment</a:t>
-            </a:r>
-          </a:p>
-        </p:txBody>
-      </p:sp>
-      <p:pic>
-        <p:nvPicPr>
-          <p:cNvPr id="5" name="Picture 4">
-            <a:extLst>
-              <a:ext uri="{FF2B5EF4-FFF2-40B4-BE49-F238E27FC236}">
-                <a16:creationId xmlns:a16="http://schemas.microsoft.com/office/drawing/2014/main" id="{D38EA761-8238-3B82-8123-3E751548E113}"/>
-              </a:ext>
-            </a:extLst>
-          </p:cNvPr>
-          <p:cNvPicPr>
-            <a:picLocks noChangeAspect="1"/>
-          </p:cNvPicPr>
-          <p:nvPr/>
-        </p:nvPicPr>
-        <p:blipFill>
-          <a:blip r:embed="rId2">
-            <a:extLst>
-              <a:ext uri="{28A0092B-C50C-407E-A947-70E740481C1C}">
-                <a14:useLocalDpi xmlns:a14="http://schemas.microsoft.com/office/drawing/2010/main" val="0"/>
-              </a:ext>
-            </a:extLst>
-          </a:blip>
-          <a:stretch>
-            <a:fillRect/>
-          </a:stretch>
-        </p:blipFill>
-        <p:spPr>
-          <a:xfrm>
-            <a:off x="4460786" y="574036"/>
-            <a:ext cx="3657607" cy="3657607"/>
-          </a:xfrm>
-          <a:prstGeom prst="rect">
-            <a:avLst/>
-          </a:prstGeom>
-        </p:spPr>
-      </p:pic>
-      <p:pic>
-        <p:nvPicPr>
-          <p:cNvPr id="7" name="Picture 6">
-            <a:extLst>
-              <a:ext uri="{FF2B5EF4-FFF2-40B4-BE49-F238E27FC236}">
-                <a16:creationId xmlns:a16="http://schemas.microsoft.com/office/drawing/2014/main" id="{B40FA367-0500-03CC-2742-229260533976}"/>
-              </a:ext>
-            </a:extLst>
-          </p:cNvPr>
-          <p:cNvPicPr>
-            <a:picLocks noChangeAspect="1"/>
-          </p:cNvPicPr>
-          <p:nvPr/>
-        </p:nvPicPr>
-        <p:blipFill>
-          <a:blip r:embed="rId3">
-            <a:extLst>
-              <a:ext uri="{28A0092B-C50C-407E-A947-70E740481C1C}">
-                <a14:useLocalDpi xmlns:a14="http://schemas.microsoft.com/office/drawing/2010/main" val="0"/>
-              </a:ext>
-            </a:extLst>
-          </a:blip>
-          <a:stretch>
-            <a:fillRect/>
-          </a:stretch>
-        </p:blipFill>
-        <p:spPr>
-          <a:xfrm>
-            <a:off x="808038" y="587775"/>
-            <a:ext cx="3657607" cy="3657607"/>
-          </a:xfrm>
-          <a:prstGeom prst="rect">
-            <a:avLst/>
-          </a:prstGeom>
-        </p:spPr>
-      </p:pic>
-      <p:sp>
-        <p:nvSpPr>
-          <p:cNvPr id="8" name="TextBox 7">
-            <a:extLst>
-              <a:ext uri="{FF2B5EF4-FFF2-40B4-BE49-F238E27FC236}">
-                <a16:creationId xmlns:a16="http://schemas.microsoft.com/office/drawing/2014/main" id="{65DB0D3C-8D61-E973-4EFD-9BC17A80544D}"/>
-              </a:ext>
-            </a:extLst>
-          </p:cNvPr>
-          <p:cNvSpPr txBox="1"/>
-          <p:nvPr/>
-        </p:nvSpPr>
-        <p:spPr>
-          <a:xfrm>
-            <a:off x="7092699" y="753968"/>
-            <a:ext cx="829074" cy="276999"/>
-          </a:xfrm>
-          <a:prstGeom prst="rect">
-            <a:avLst/>
-          </a:prstGeom>
-          <a:solidFill>
-            <a:schemeClr val="bg1"/>
-          </a:solidFill>
-        </p:spPr>
-        <p:txBody>
-          <a:bodyPr wrap="none" rtlCol="0">
-            <a:spAutoFit/>
-          </a:bodyPr>
-          <a:lstStyle/>
-          <a:p>
-            <a:pPr algn="r"/>
-            <a:r>
-              <a:rPr lang="en-US" sz="1200" dirty="0">
-                <a:latin typeface="Arial" panose="020B0604020202020204" pitchFamily="34" charset="0"/>
-                <a:cs typeface="Arial" panose="020B0604020202020204" pitchFamily="34" charset="0"/>
-              </a:rPr>
-              <a:t>p = 0.031</a:t>
-            </a:r>
-          </a:p>
-        </p:txBody>
-      </p:sp>
-      <p:sp>
-        <p:nvSpPr>
-          <p:cNvPr id="9" name="TextBox 8">
-            <a:extLst>
-              <a:ext uri="{FF2B5EF4-FFF2-40B4-BE49-F238E27FC236}">
-                <a16:creationId xmlns:a16="http://schemas.microsoft.com/office/drawing/2014/main" id="{48ABB82D-122C-48F5-5912-74E6D358BB43}"/>
-              </a:ext>
-            </a:extLst>
-          </p:cNvPr>
-          <p:cNvSpPr txBox="1"/>
-          <p:nvPr/>
-        </p:nvSpPr>
-        <p:spPr>
-          <a:xfrm>
-            <a:off x="5233818" y="1357257"/>
-            <a:ext cx="306494" cy="369332"/>
-          </a:xfrm>
-          <a:prstGeom prst="rect">
-            <a:avLst/>
-          </a:prstGeom>
-          <a:noFill/>
-        </p:spPr>
-        <p:txBody>
-          <a:bodyPr wrap="none" rtlCol="0">
-            <a:spAutoFit/>
-          </a:bodyPr>
-          <a:lstStyle/>
-          <a:p>
-            <a:r>
-              <a:rPr lang="en-US" i="1" dirty="0"/>
-              <a:t>a</a:t>
-            </a:r>
-          </a:p>
-        </p:txBody>
-      </p:sp>
-      <p:sp>
-        <p:nvSpPr>
-          <p:cNvPr id="10" name="TextBox 9">
-            <a:extLst>
-              <a:ext uri="{FF2B5EF4-FFF2-40B4-BE49-F238E27FC236}">
-                <a16:creationId xmlns:a16="http://schemas.microsoft.com/office/drawing/2014/main" id="{C9562F15-9360-71C9-89D6-3D4D09F1E3D1}"/>
-              </a:ext>
-            </a:extLst>
-          </p:cNvPr>
-          <p:cNvSpPr txBox="1"/>
-          <p:nvPr/>
-        </p:nvSpPr>
-        <p:spPr>
-          <a:xfrm>
-            <a:off x="5993539" y="1758350"/>
-            <a:ext cx="308098" cy="369332"/>
-          </a:xfrm>
-          <a:prstGeom prst="rect">
-            <a:avLst/>
-          </a:prstGeom>
-          <a:noFill/>
-        </p:spPr>
-        <p:txBody>
-          <a:bodyPr wrap="none" rtlCol="0">
-            <a:spAutoFit/>
-          </a:bodyPr>
-          <a:lstStyle/>
-          <a:p>
-            <a:r>
-              <a:rPr lang="en-US" i="1" dirty="0"/>
-              <a:t>b</a:t>
-            </a:r>
-          </a:p>
-        </p:txBody>
-      </p:sp>
-      <p:sp>
-        <p:nvSpPr>
-          <p:cNvPr id="22" name="TextBox 21">
-            <a:extLst>
-              <a:ext uri="{FF2B5EF4-FFF2-40B4-BE49-F238E27FC236}">
-                <a16:creationId xmlns:a16="http://schemas.microsoft.com/office/drawing/2014/main" id="{10713B7E-01B5-8BC8-CD4F-5EAD9DF6CC77}"/>
-              </a:ext>
-            </a:extLst>
-          </p:cNvPr>
-          <p:cNvSpPr txBox="1"/>
-          <p:nvPr/>
-        </p:nvSpPr>
-        <p:spPr>
-          <a:xfrm>
-            <a:off x="7458758" y="1960778"/>
-            <a:ext cx="308098" cy="369332"/>
-          </a:xfrm>
-          <a:prstGeom prst="rect">
-            <a:avLst/>
-          </a:prstGeom>
-          <a:noFill/>
-        </p:spPr>
-        <p:txBody>
-          <a:bodyPr wrap="none" rtlCol="0">
-            <a:spAutoFit/>
-          </a:bodyPr>
-          <a:lstStyle/>
-          <a:p>
-            <a:r>
-              <a:rPr lang="en-US" i="1" dirty="0"/>
-              <a:t>b</a:t>
-            </a:r>
-          </a:p>
-        </p:txBody>
-      </p:sp>
-      <p:sp>
-        <p:nvSpPr>
-          <p:cNvPr id="24" name="TextBox 23">
-            <a:extLst>
-              <a:ext uri="{FF2B5EF4-FFF2-40B4-BE49-F238E27FC236}">
-                <a16:creationId xmlns:a16="http://schemas.microsoft.com/office/drawing/2014/main" id="{1E0A42CB-EDAC-F313-6E0A-F10B0D5F8F82}"/>
-              </a:ext>
-            </a:extLst>
-          </p:cNvPr>
-          <p:cNvSpPr txBox="1"/>
-          <p:nvPr/>
-        </p:nvSpPr>
-        <p:spPr>
-          <a:xfrm>
-            <a:off x="6695957" y="1363200"/>
-            <a:ext cx="308098" cy="369332"/>
-          </a:xfrm>
-          <a:prstGeom prst="rect">
-            <a:avLst/>
-          </a:prstGeom>
-          <a:noFill/>
-        </p:spPr>
-        <p:txBody>
-          <a:bodyPr wrap="none" rtlCol="0">
-            <a:spAutoFit/>
-          </a:bodyPr>
-          <a:lstStyle/>
-          <a:p>
-            <a:r>
-              <a:rPr lang="en-US" i="1" dirty="0"/>
-              <a:t>a</a:t>
-            </a:r>
-          </a:p>
-        </p:txBody>
-      </p:sp>
-      <p:sp>
-        <p:nvSpPr>
-          <p:cNvPr id="29" name="TextBox 28">
-            <a:extLst>
-              <a:ext uri="{FF2B5EF4-FFF2-40B4-BE49-F238E27FC236}">
-                <a16:creationId xmlns:a16="http://schemas.microsoft.com/office/drawing/2014/main" id="{129A2567-C85B-A369-68CA-A0CF03F1F970}"/>
-              </a:ext>
-            </a:extLst>
-          </p:cNvPr>
-          <p:cNvSpPr txBox="1"/>
-          <p:nvPr/>
-        </p:nvSpPr>
-        <p:spPr>
-          <a:xfrm>
-            <a:off x="1152264" y="290739"/>
-            <a:ext cx="2324675" cy="307777"/>
-          </a:xfrm>
-          <a:prstGeom prst="rect">
-            <a:avLst/>
-          </a:prstGeom>
-          <a:noFill/>
-        </p:spPr>
-        <p:txBody>
-          <a:bodyPr wrap="none" rtlCol="0">
-            <a:spAutoFit/>
-          </a:bodyPr>
-          <a:lstStyle/>
-          <a:p>
-            <a:r>
-              <a:rPr lang="en-US" sz="1400" b="1" dirty="0">
-                <a:latin typeface="Arial" panose="020B0604020202020204" pitchFamily="34" charset="0"/>
-                <a:cs typeface="Arial" panose="020B0604020202020204" pitchFamily="34" charset="0"/>
-              </a:rPr>
-              <a:t>All thread measurements</a:t>
-            </a:r>
-          </a:p>
-        </p:txBody>
-      </p:sp>
-      <p:pic>
-        <p:nvPicPr>
-          <p:cNvPr id="32" name="Picture 31">
-            <a:extLst>
-              <a:ext uri="{FF2B5EF4-FFF2-40B4-BE49-F238E27FC236}">
-                <a16:creationId xmlns:a16="http://schemas.microsoft.com/office/drawing/2014/main" id="{2C144ACF-154D-1651-E14E-1038778BD1F0}"/>
-              </a:ext>
-            </a:extLst>
-          </p:cNvPr>
-          <p:cNvPicPr>
-            <a:picLocks noChangeAspect="1"/>
-          </p:cNvPicPr>
-          <p:nvPr/>
-        </p:nvPicPr>
-        <p:blipFill>
-          <a:blip r:embed="rId4">
-            <a:extLst>
-              <a:ext uri="{28A0092B-C50C-407E-A947-70E740481C1C}">
-                <a14:useLocalDpi xmlns:a14="http://schemas.microsoft.com/office/drawing/2010/main" val="0"/>
-              </a:ext>
-            </a:extLst>
-          </a:blip>
-          <a:stretch>
-            <a:fillRect/>
-          </a:stretch>
-        </p:blipFill>
-        <p:spPr>
-          <a:xfrm>
-            <a:off x="754840" y="574036"/>
-            <a:ext cx="3657607" cy="3657607"/>
-          </a:xfrm>
-          <a:prstGeom prst="rect">
-            <a:avLst/>
-          </a:prstGeom>
-        </p:spPr>
-      </p:pic>
-      <p:sp>
-        <p:nvSpPr>
-          <p:cNvPr id="34" name="TextBox 33">
-            <a:extLst>
-              <a:ext uri="{FF2B5EF4-FFF2-40B4-BE49-F238E27FC236}">
-                <a16:creationId xmlns:a16="http://schemas.microsoft.com/office/drawing/2014/main" id="{07F55892-A263-85D0-FDAD-C91DBB6C08F0}"/>
-              </a:ext>
-            </a:extLst>
-          </p:cNvPr>
-          <p:cNvSpPr txBox="1"/>
-          <p:nvPr/>
-        </p:nvSpPr>
-        <p:spPr>
-          <a:xfrm>
-            <a:off x="4871110" y="117165"/>
-            <a:ext cx="2912165" cy="523220"/>
-          </a:xfrm>
-          <a:prstGeom prst="rect">
-            <a:avLst/>
-          </a:prstGeom>
-          <a:noFill/>
-        </p:spPr>
-        <p:txBody>
-          <a:bodyPr wrap="square" rtlCol="0">
-            <a:spAutoFit/>
-          </a:bodyPr>
-          <a:lstStyle/>
-          <a:p>
-            <a:r>
-              <a:rPr lang="en-US" sz="1400" b="1" dirty="0">
-                <a:latin typeface="Arial" panose="020B0604020202020204" pitchFamily="34" charset="0"/>
-                <a:cs typeface="Arial" panose="020B0604020202020204" pitchFamily="34" charset="0"/>
-              </a:rPr>
-              <a:t>Repeated observations, strength averaged by individual</a:t>
-            </a:r>
-          </a:p>
-        </p:txBody>
-      </p:sp>
-      <p:sp>
-        <p:nvSpPr>
-          <p:cNvPr id="2" name="TextBox 1">
-            <a:extLst>
-              <a:ext uri="{FF2B5EF4-FFF2-40B4-BE49-F238E27FC236}">
-                <a16:creationId xmlns:a16="http://schemas.microsoft.com/office/drawing/2014/main" id="{EB70C910-8740-5D20-3DE0-6060B0D6457C}"/>
-              </a:ext>
-            </a:extLst>
-          </p:cNvPr>
-          <p:cNvSpPr txBox="1"/>
-          <p:nvPr/>
-        </p:nvSpPr>
-        <p:spPr>
-          <a:xfrm>
-            <a:off x="721453" y="210364"/>
-            <a:ext cx="370614" cy="461665"/>
-          </a:xfrm>
-          <a:prstGeom prst="rect">
-            <a:avLst/>
-          </a:prstGeom>
-          <a:noFill/>
-        </p:spPr>
-        <p:txBody>
-          <a:bodyPr wrap="none" rtlCol="0">
-            <a:spAutoFit/>
-          </a:bodyPr>
-          <a:lstStyle/>
-          <a:p>
-            <a:r>
-              <a:rPr lang="en-US" sz="2400" b="1" dirty="0"/>
-              <a:t>A</a:t>
-            </a:r>
-          </a:p>
-        </p:txBody>
-      </p:sp>
-      <p:sp>
-        <p:nvSpPr>
-          <p:cNvPr id="4" name="TextBox 3">
-            <a:extLst>
-              <a:ext uri="{FF2B5EF4-FFF2-40B4-BE49-F238E27FC236}">
-                <a16:creationId xmlns:a16="http://schemas.microsoft.com/office/drawing/2014/main" id="{535ECAFA-911A-C5C4-2842-064A0AD9C16A}"/>
-              </a:ext>
-            </a:extLst>
-          </p:cNvPr>
-          <p:cNvSpPr txBox="1"/>
-          <p:nvPr/>
-        </p:nvSpPr>
-        <p:spPr>
-          <a:xfrm>
-            <a:off x="4445834" y="209207"/>
-            <a:ext cx="370614" cy="461665"/>
-          </a:xfrm>
-          <a:prstGeom prst="rect">
-            <a:avLst/>
-          </a:prstGeom>
-          <a:noFill/>
-        </p:spPr>
-        <p:txBody>
-          <a:bodyPr wrap="none" rtlCol="0">
-            <a:spAutoFit/>
-          </a:bodyPr>
-          <a:lstStyle/>
-          <a:p>
-            <a:r>
-              <a:rPr lang="en-US" sz="2400" b="1" dirty="0"/>
-              <a:t>B</a:t>
-            </a:r>
-          </a:p>
-        </p:txBody>
-      </p:sp>
+              </a:endParaRPr>
+            </a:p>
+          </p:txBody>
+        </p:sp>
+        <p:sp>
+          <p:nvSpPr>
+            <p:cNvPr id="37" name="TextBox 36">
+              <a:extLst>
+                <a:ext uri="{FF2B5EF4-FFF2-40B4-BE49-F238E27FC236}">
+                  <a16:creationId xmlns:a16="http://schemas.microsoft.com/office/drawing/2014/main" id="{1E0A42CB-EDAC-F313-6E0A-F10B0D5F8F82}"/>
+                </a:ext>
+              </a:extLst>
+            </p:cNvPr>
+            <p:cNvSpPr txBox="1"/>
+            <p:nvPr/>
+          </p:nvSpPr>
+          <p:spPr>
+            <a:xfrm>
+              <a:off x="1799982" y="541426"/>
+              <a:ext cx="308098" cy="369332"/>
+            </a:xfrm>
+            <a:prstGeom prst="rect">
+              <a:avLst/>
+            </a:prstGeom>
+            <a:noFill/>
+          </p:spPr>
+          <p:txBody>
+            <a:bodyPr wrap="none" rtlCol="0">
+              <a:spAutoFit/>
+            </a:bodyPr>
+            <a:lstStyle/>
+            <a:p>
+              <a:r>
+                <a:rPr lang="en-US" i="1" dirty="0"/>
+                <a:t>a</a:t>
+              </a:r>
+            </a:p>
+          </p:txBody>
+        </p:sp>
+        <p:sp>
+          <p:nvSpPr>
+            <p:cNvPr id="38" name="TextBox 37">
+              <a:extLst>
+                <a:ext uri="{FF2B5EF4-FFF2-40B4-BE49-F238E27FC236}">
+                  <a16:creationId xmlns:a16="http://schemas.microsoft.com/office/drawing/2014/main" id="{D38E1F68-9DCD-2246-EACA-73A1FFCC4949}"/>
+                </a:ext>
+              </a:extLst>
+            </p:cNvPr>
+            <p:cNvSpPr txBox="1"/>
+            <p:nvPr/>
+          </p:nvSpPr>
+          <p:spPr>
+            <a:xfrm>
+              <a:off x="3081935" y="980696"/>
+              <a:ext cx="308098" cy="369332"/>
+            </a:xfrm>
+            <a:prstGeom prst="rect">
+              <a:avLst/>
+            </a:prstGeom>
+            <a:noFill/>
+          </p:spPr>
+          <p:txBody>
+            <a:bodyPr wrap="none" rtlCol="0">
+              <a:spAutoFit/>
+            </a:bodyPr>
+            <a:lstStyle/>
+            <a:p>
+              <a:r>
+                <a:rPr lang="en-US" i="1" dirty="0"/>
+                <a:t>b</a:t>
+              </a:r>
+            </a:p>
+          </p:txBody>
+        </p:sp>
+        <p:sp>
+          <p:nvSpPr>
+            <p:cNvPr id="39" name="TextBox 38">
+              <a:extLst>
+                <a:ext uri="{FF2B5EF4-FFF2-40B4-BE49-F238E27FC236}">
+                  <a16:creationId xmlns:a16="http://schemas.microsoft.com/office/drawing/2014/main" id="{1D5FCA59-691A-9DB7-20DA-EE73FA8D0E48}"/>
+                </a:ext>
+              </a:extLst>
+            </p:cNvPr>
+            <p:cNvSpPr txBox="1"/>
+            <p:nvPr/>
+          </p:nvSpPr>
+          <p:spPr>
+            <a:xfrm>
+              <a:off x="4319064" y="1433413"/>
+              <a:ext cx="421910" cy="369332"/>
+            </a:xfrm>
+            <a:prstGeom prst="rect">
+              <a:avLst/>
+            </a:prstGeom>
+            <a:noFill/>
+          </p:spPr>
+          <p:txBody>
+            <a:bodyPr wrap="none" rtlCol="0">
+              <a:spAutoFit/>
+            </a:bodyPr>
+            <a:lstStyle/>
+            <a:p>
+              <a:r>
+                <a:rPr lang="en-US" i="1" dirty="0"/>
+                <a:t>ab</a:t>
+              </a:r>
+            </a:p>
+          </p:txBody>
+        </p:sp>
+        <p:sp>
+          <p:nvSpPr>
+            <p:cNvPr id="40" name="TextBox 39">
+              <a:extLst>
+                <a:ext uri="{FF2B5EF4-FFF2-40B4-BE49-F238E27FC236}">
+                  <a16:creationId xmlns:a16="http://schemas.microsoft.com/office/drawing/2014/main" id="{9E8D0AAB-E82F-D08E-99BA-858737A90F43}"/>
+                </a:ext>
+              </a:extLst>
+            </p:cNvPr>
+            <p:cNvSpPr txBox="1"/>
+            <p:nvPr/>
+          </p:nvSpPr>
+          <p:spPr>
+            <a:xfrm>
+              <a:off x="5622645" y="1350028"/>
+              <a:ext cx="421910" cy="369332"/>
+            </a:xfrm>
+            <a:prstGeom prst="rect">
+              <a:avLst/>
+            </a:prstGeom>
+            <a:noFill/>
+          </p:spPr>
+          <p:txBody>
+            <a:bodyPr wrap="none" rtlCol="0">
+              <a:spAutoFit/>
+            </a:bodyPr>
+            <a:lstStyle/>
+            <a:p>
+              <a:r>
+                <a:rPr lang="en-US" i="1" dirty="0"/>
+                <a:t>ab</a:t>
+              </a:r>
+            </a:p>
+          </p:txBody>
+        </p:sp>
+      </p:grpSp>
     </p:spTree>
     <p:extLst>
       <p:ext uri="{BB962C8B-B14F-4D97-AF65-F5344CB8AC3E}">
@@ -4119,7 +3853,7 @@
   <a:extraClrSchemeLst/>
   <a:extLst>
     <a:ext uri="{05A4C25C-085E-4340-85A3-A5531E510DB2}">
-      <thm15:themeFamily xmlns:thm15="http://schemas.microsoft.com/office/thememl/2012/main" name="Office Theme 2013 - 2022" id="{62F939B6-93AF-4DB8-9C6B-D6C7DFDC589F}" vid="{4A3C46E8-61CC-4603-A589-7422A47A8E4A}"/>
+      <thm15:themeFamily xmlns:thm15="http://schemas.microsoft.com/office/thememl/2012/main" name="Office 2013 - 2022 Theme" id="{62F939B6-93AF-4DB8-9C6B-D6C7DFDC589F}" vid="{4A3C46E8-61CC-4603-A589-7422A47A8E4A}"/>
     </a:ext>
   </a:extLst>
 </a:theme>
